--- a/ietf-stamp-session-id-rev1.pptx
+++ b/ietf-stamp-session-id-rev1.pptx
@@ -1834,7 +1834,7 @@
               </a14:hiddenLine>
             </a:ext>
             <a:ext uri="{FAA26D3D-D897-4be2-8F04-BA451C77F1D7}">
-              <ma14:placeholderFlag xmlns:ma14="http://schemas.microsoft.com/office/mac/drawingml/2011/main" xmlns="" val="1"/>
+              <ma14:placeholderFlag xmlns="" xmlns:ma14="http://schemas.microsoft.com/office/mac/drawingml/2011/main" val="1"/>
             </a:ext>
           </a:extLst>
         </p:spPr>
@@ -4628,7 +4628,7 @@
                 <a:ea typeface="Calibri" charset="0"/>
                 <a:cs typeface="Calibri" panose="020F0502020204030204" pitchFamily="34" charset="0"/>
               </a:rPr>
-              <a:t>Contact: Rakesh Gandhi (</a:t>
+              <a:t>Presenter: Rakesh Gandhi (</a:t>
             </a:r>
             <a:r>
               <a:rPr lang="en-US" altLang="zh-CN" i="1" dirty="0">
@@ -11325,7 +11325,21 @@
                 <a:latin typeface="Calibri" panose="020F0502020204030204" pitchFamily="34" charset="0"/>
                 <a:cs typeface="Calibri" panose="020F0502020204030204" pitchFamily="34" charset="0"/>
               </a:rPr>
-              <a:t>Update both drafts with agreed option</a:t>
+              <a:t>Update both drafts </a:t>
+            </a:r>
+            <a:r>
+              <a:rPr lang="en-US">
+                <a:latin typeface="Calibri" panose="020F0502020204030204" pitchFamily="34" charset="0"/>
+                <a:cs typeface="Calibri" panose="020F0502020204030204" pitchFamily="34" charset="0"/>
+              </a:rPr>
+              <a:t>with the agreed </a:t>
+            </a:r>
+            <a:r>
+              <a:rPr lang="en-US" dirty="0">
+                <a:latin typeface="Calibri" panose="020F0502020204030204" pitchFamily="34" charset="0"/>
+                <a:cs typeface="Calibri" panose="020F0502020204030204" pitchFamily="34" charset="0"/>
+              </a:rPr>
+              <a:t>option</a:t>
             </a:r>
           </a:p>
         </p:txBody>

--- a/ietf-stamp-session-id-rev1.pptx
+++ b/ietf-stamp-session-id-rev1.pptx
@@ -5,10 +5,10 @@
     <p:sldMasterId id="2147483648" r:id="rId1"/>
   </p:sldMasterIdLst>
   <p:notesMasterIdLst>
-    <p:notesMasterId r:id="rId10"/>
+    <p:notesMasterId r:id="rId11"/>
   </p:notesMasterIdLst>
   <p:handoutMasterIdLst>
-    <p:handoutMasterId r:id="rId11"/>
+    <p:handoutMasterId r:id="rId12"/>
   </p:handoutMasterIdLst>
   <p:sldIdLst>
     <p:sldId id="1665" r:id="rId2"/>
@@ -17,8 +17,9 @@
     <p:sldId id="1664" r:id="rId5"/>
     <p:sldId id="1661" r:id="rId6"/>
     <p:sldId id="1662" r:id="rId7"/>
-    <p:sldId id="1667" r:id="rId8"/>
-    <p:sldId id="1666" r:id="rId9"/>
+    <p:sldId id="1668" r:id="rId8"/>
+    <p:sldId id="1667" r:id="rId9"/>
+    <p:sldId id="1666" r:id="rId10"/>
   </p:sldIdLst>
   <p:sldSz cx="9144000" cy="5143500" type="screen16x9"/>
   <p:notesSz cx="6858000" cy="9144000"/>
@@ -251,7 +252,7 @@
           <a:p>
             <a:fld id="{E8FA3DB5-7722-3F4F-947D-12B203669AD7}" type="datetimeFigureOut">
               <a:rPr lang="en-US" smtClean="0"/>
-              <a:t>3/11/20</a:t>
+              <a:t>3/12/20</a:t>
             </a:fld>
             <a:endParaRPr lang="en-US"/>
           </a:p>
@@ -939,7 +940,7 @@
               <a:pPr>
                 <a:defRPr/>
               </a:pPr>
-              <a:t>8</a:t>
+              <a:t>9</a:t>
             </a:fld>
             <a:endParaRPr lang="en-US" altLang="zh-CN"/>
           </a:p>
@@ -4660,7 +4661,7 @@
                 <a:ea typeface="Calibri" charset="0"/>
                 <a:cs typeface="Calibri" panose="020F0502020204030204" pitchFamily="34" charset="0"/>
               </a:rPr>
-              <a:t>Updated: March 11, 2020</a:t>
+              <a:t>Updated: March 12, 2020</a:t>
             </a:r>
           </a:p>
         </p:txBody>
@@ -4775,7 +4776,7 @@
                 <a:latin typeface="Calibri Light" panose="020F0302020204030204" pitchFamily="34" charset="0"/>
                 <a:cs typeface="Calibri Light" panose="020F0302020204030204" pitchFamily="34" charset="0"/>
               </a:rPr>
-              <a:t>TWAMP Light and STAMP Control Code Field</a:t>
+              <a:t>STAMP Control Code Field</a:t>
             </a:r>
           </a:p>
         </p:txBody>
@@ -4971,7 +4972,17 @@
                 <a:latin typeface="Courier New" panose="02070309020205020404" pitchFamily="49" charset="0"/>
                 <a:cs typeface="Courier New" panose="02070309020205020404" pitchFamily="49" charset="0"/>
               </a:rPr>
-              <a:t>  Control Code </a:t>
+              <a:t>  </a:t>
+            </a:r>
+            <a:r>
+              <a:rPr lang="en-CA" sz="900" dirty="0">
+                <a:solidFill>
+                  <a:srgbClr val="7030A0"/>
+                </a:solidFill>
+                <a:latin typeface="Courier New" panose="02070309020205020404" pitchFamily="49" charset="0"/>
+                <a:cs typeface="Courier New" panose="02070309020205020404" pitchFamily="49" charset="0"/>
+              </a:rPr>
+              <a:t>Control Code </a:t>
             </a:r>
             <a:r>
               <a:rPr lang="en-CA" sz="900" dirty="0">
@@ -5020,7 +5031,7 @@
                 <a:latin typeface="Courier New" panose="02070309020205020404" pitchFamily="49" charset="0"/>
                 <a:cs typeface="Courier New" panose="02070309020205020404" pitchFamily="49" charset="0"/>
               </a:rPr>
-              <a:t>Control Code in TWAMP Light and STAMP DM Probe Query and Response</a:t>
+              <a:t>        Control Code in STAMP DM Probe Query and Response</a:t>
             </a:r>
             <a:endParaRPr lang="en-US" sz="900" b="1" dirty="0">
               <a:latin typeface="Courier New" panose="02070309020205020404" pitchFamily="49" charset="0"/>
@@ -5197,52 +5208,6 @@
                 <a:cs typeface="Calibri" panose="020F0502020204030204" pitchFamily="34" charset="0"/>
               </a:rPr>
               <a:t>0xN: Additional Error will be defined in future</a:t>
-            </a:r>
-          </a:p>
-        </p:txBody>
-      </p:sp>
-      <p:sp>
-        <p:nvSpPr>
-          <p:cNvPr id="6" name="TextBox 5">
-            <a:extLst>
-              <a:ext uri="{FF2B5EF4-FFF2-40B4-BE49-F238E27FC236}">
-                <a16:creationId xmlns:a16="http://schemas.microsoft.com/office/drawing/2014/main" id="{472BC29F-F4F5-4C41-A08B-B4C04E5E8A95}"/>
-              </a:ext>
-            </a:extLst>
-          </p:cNvPr>
-          <p:cNvSpPr txBox="1"/>
-          <p:nvPr/>
-        </p:nvSpPr>
-        <p:spPr>
-          <a:xfrm>
-            <a:off x="5069524" y="3705046"/>
-            <a:ext cx="2662552" cy="461665"/>
-          </a:xfrm>
-          <a:prstGeom prst="rect">
-            <a:avLst/>
-          </a:prstGeom>
-          <a:noFill/>
-          <a:ln>
-            <a:solidFill>
-              <a:schemeClr val="accent1"/>
-            </a:solidFill>
-          </a:ln>
-        </p:spPr>
-        <p:txBody>
-          <a:bodyPr wrap="square" rtlCol="0">
-            <a:spAutoFit/>
-          </a:bodyPr>
-          <a:lstStyle/>
-          <a:p>
-            <a:r>
-              <a:rPr lang="en-US" sz="1200" dirty="0">
-                <a:solidFill>
-                  <a:schemeClr val="tx2"/>
-                </a:solidFill>
-                <a:latin typeface="Calibri" panose="020F0502020204030204" pitchFamily="34" charset="0"/>
-                <a:cs typeface="Calibri" panose="020F0502020204030204" pitchFamily="34" charset="0"/>
-              </a:rPr>
-              <a:t>Consistency across TWAMP Light and STAMP DM and LM messages</a:t>
             </a:r>
           </a:p>
         </p:txBody>
@@ -5493,7 +5458,7 @@
             <a:r>
               <a:rPr lang="en-US" sz="750" dirty="0">
                 <a:solidFill>
-                  <a:srgbClr val="0070C0"/>
+                  <a:srgbClr val="7030A0"/>
                 </a:solidFill>
                 <a:latin typeface="Courier" charset="0"/>
                 <a:ea typeface="Courier" charset="0"/>
@@ -5903,7 +5868,7 @@
             <a:r>
               <a:rPr lang="en-US" sz="750" dirty="0">
                 <a:solidFill>
-                  <a:srgbClr val="0070C0"/>
+                  <a:srgbClr val="7030A0"/>
                 </a:solidFill>
                 <a:latin typeface="Courier" charset="0"/>
                 <a:ea typeface="Courier" charset="0"/>
@@ -6540,7 +6505,7 @@
         <p:spPr>
           <a:xfrm>
             <a:off x="406707" y="3848341"/>
-            <a:ext cx="5328895" cy="461665"/>
+            <a:ext cx="2020425" cy="276999"/>
           </a:xfrm>
           <a:prstGeom prst="rect">
             <a:avLst/>
@@ -6565,23 +6530,7 @@
                 <a:latin typeface="Calibri" panose="020F0502020204030204" pitchFamily="34" charset="0"/>
                 <a:cs typeface="Calibri" panose="020F0502020204030204" pitchFamily="34" charset="0"/>
               </a:rPr>
-              <a:t>Control Code compatible with TWAMP Light message format</a:t>
-            </a:r>
-          </a:p>
-          <a:p>
-            <a:pPr marL="285750" indent="-285750">
-              <a:buFont typeface="Wingdings" pitchFamily="2" charset="2"/>
-              <a:buChar char="ü"/>
-            </a:pPr>
-            <a:r>
-              <a:rPr lang="en-US" sz="1200" dirty="0">
-                <a:solidFill>
-                  <a:schemeClr val="tx2"/>
-                </a:solidFill>
-                <a:latin typeface="Calibri" panose="020F0502020204030204" pitchFamily="34" charset="0"/>
-                <a:cs typeface="Calibri" panose="020F0502020204030204" pitchFamily="34" charset="0"/>
-              </a:rPr>
-              <a:t>No change for Session ID in both message formats – STAMP and TWAMP Light</a:t>
+              <a:t>No change for Session ID</a:t>
             </a:r>
           </a:p>
         </p:txBody>
@@ -6648,7 +6597,7 @@
                 <a:latin typeface="Calibri Light" panose="020F0302020204030204" pitchFamily="34" charset="0"/>
                 <a:cs typeface="Calibri Light" panose="020F0302020204030204" pitchFamily="34" charset="0"/>
               </a:rPr>
-              <a:t>Option 2: 24-Bit Session ID Field</a:t>
+              <a:t>Option 2: Using 24-Bit Session ID Field</a:t>
             </a:r>
           </a:p>
         </p:txBody>
@@ -6816,7 +6765,7 @@
             <a:r>
               <a:rPr lang="en-US" sz="750" dirty="0">
                 <a:solidFill>
-                  <a:srgbClr val="0070C0"/>
+                  <a:srgbClr val="7030A0"/>
                 </a:solidFill>
                 <a:latin typeface="Courier" charset="0"/>
                 <a:ea typeface="Courier" charset="0"/>
@@ -7259,7 +7208,7 @@
             <a:r>
               <a:rPr lang="en-US" sz="750" dirty="0">
                 <a:solidFill>
-                  <a:srgbClr val="0070C0"/>
+                  <a:srgbClr val="7030A0"/>
                 </a:solidFill>
                 <a:latin typeface="Courier" charset="0"/>
                 <a:ea typeface="Courier" charset="0"/>
@@ -7921,7 +7870,7 @@
                 <a:latin typeface="Calibri" panose="020F0502020204030204" pitchFamily="34" charset="0"/>
                 <a:cs typeface="Calibri" panose="020F0502020204030204" pitchFamily="34" charset="0"/>
               </a:rPr>
-              <a:t>Control Code compatible with TWAMP Light message format</a:t>
+              <a:t>Session ID has 24-bits</a:t>
             </a:r>
           </a:p>
           <a:p>
@@ -7937,7 +7886,7 @@
                 <a:latin typeface="Calibri" panose="020F0502020204030204" pitchFamily="34" charset="0"/>
                 <a:cs typeface="Calibri" panose="020F0502020204030204" pitchFamily="34" charset="0"/>
               </a:rPr>
-              <a:t>Session ID has 24-bits which is good</a:t>
+              <a:t>Requires the reflector to copy it elsewhere in the packet to return it back – not desired</a:t>
             </a:r>
           </a:p>
         </p:txBody>
@@ -8172,7 +8121,7 @@
             <a:r>
               <a:rPr lang="en-US" sz="750" dirty="0">
                 <a:solidFill>
-                  <a:srgbClr val="0070C0"/>
+                  <a:srgbClr val="7030A0"/>
                 </a:solidFill>
                 <a:latin typeface="Courier" charset="0"/>
                 <a:ea typeface="Courier" charset="0"/>
@@ -8654,7 +8603,7 @@
             <a:r>
               <a:rPr lang="en-US" sz="750" dirty="0">
                 <a:solidFill>
-                  <a:srgbClr val="0070C0"/>
+                  <a:srgbClr val="7030A0"/>
                 </a:solidFill>
                 <a:latin typeface="Courier" charset="0"/>
                 <a:ea typeface="Courier" charset="0"/>
@@ -9343,8 +9292,8 @@
         </p:nvSpPr>
         <p:spPr>
           <a:xfrm>
-            <a:off x="479364" y="4225112"/>
-            <a:ext cx="4702441" cy="646331"/>
+            <a:off x="533400" y="4289102"/>
+            <a:ext cx="1824538" cy="276999"/>
           </a:xfrm>
           <a:prstGeom prst="rect">
             <a:avLst/>
@@ -9369,39 +9318,7 @@
                 <a:latin typeface="Calibri" panose="020F0502020204030204" pitchFamily="34" charset="0"/>
                 <a:cs typeface="Calibri" panose="020F0502020204030204" pitchFamily="34" charset="0"/>
               </a:rPr>
-              <a:t>Control Code compatible with TWAMP Light message format</a:t>
-            </a:r>
-          </a:p>
-          <a:p>
-            <a:pPr marL="285750" indent="-285750">
-              <a:buFont typeface="Wingdings" pitchFamily="2" charset="2"/>
-              <a:buChar char="ü"/>
-            </a:pPr>
-            <a:r>
-              <a:rPr lang="en-US" sz="1200" dirty="0">
-                <a:solidFill>
-                  <a:schemeClr val="tx2"/>
-                </a:solidFill>
-                <a:latin typeface="Calibri" panose="020F0502020204030204" pitchFamily="34" charset="0"/>
-                <a:cs typeface="Calibri" panose="020F0502020204030204" pitchFamily="34" charset="0"/>
-              </a:rPr>
-              <a:t>Session ID has 32-bits which is good</a:t>
-            </a:r>
-          </a:p>
-          <a:p>
-            <a:pPr marL="285750" indent="-285750">
-              <a:buFont typeface="Wingdings" pitchFamily="2" charset="2"/>
-              <a:buChar char="ü"/>
-            </a:pPr>
-            <a:r>
-              <a:rPr lang="en-US" sz="1200" dirty="0">
-                <a:solidFill>
-                  <a:schemeClr val="tx2"/>
-                </a:solidFill>
-                <a:latin typeface="Calibri" panose="020F0502020204030204" pitchFamily="34" charset="0"/>
-                <a:cs typeface="Calibri" panose="020F0502020204030204" pitchFamily="34" charset="0"/>
-              </a:rPr>
-              <a:t>Session ID is not needed for TWAMP Light, so this option is also fine</a:t>
+              <a:t>Session ID has 32-bits</a:t>
             </a:r>
           </a:p>
         </p:txBody>
@@ -9468,7 +9385,7 @@
                 <a:latin typeface="Calibri Light" panose="020F0302020204030204" pitchFamily="34" charset="0"/>
                 <a:cs typeface="Calibri Light" panose="020F0302020204030204" pitchFamily="34" charset="0"/>
               </a:rPr>
-              <a:t>Option 4: 16-bit Session ID</a:t>
+              <a:t>Option 4: 16-bit Session ID - 1</a:t>
             </a:r>
           </a:p>
         </p:txBody>
@@ -9857,7 +9774,7 @@
             <a:r>
               <a:rPr lang="en-US" sz="750" dirty="0">
                 <a:solidFill>
-                  <a:srgbClr val="0070C0"/>
+                  <a:srgbClr val="7030A0"/>
                 </a:solidFill>
                 <a:latin typeface="Courier" charset="0"/>
                 <a:ea typeface="Courier" charset="0"/>
@@ -9875,7 +9792,7 @@
             <a:r>
               <a:rPr lang="en-US" sz="750" dirty="0">
                 <a:solidFill>
-                  <a:srgbClr val="0070C0"/>
+                  <a:srgbClr val="7030A0"/>
                 </a:solidFill>
                 <a:latin typeface="Courier" charset="0"/>
                 <a:ea typeface="Courier" charset="0"/>
@@ -9893,7 +9810,7 @@
             <a:r>
               <a:rPr lang="en-US" sz="750" dirty="0">
                 <a:solidFill>
-                  <a:srgbClr val="0070C0"/>
+                  <a:srgbClr val="7030A0"/>
                 </a:solidFill>
                 <a:latin typeface="Courier" charset="0"/>
                 <a:ea typeface="Courier" charset="0"/>
@@ -9911,7 +9828,7 @@
             <a:r>
               <a:rPr lang="en-US" sz="750" dirty="0">
                 <a:solidFill>
-                  <a:srgbClr val="0070C0"/>
+                  <a:srgbClr val="7030A0"/>
                 </a:solidFill>
                 <a:latin typeface="Courier" charset="0"/>
                 <a:ea typeface="Courier" charset="0"/>
@@ -10355,67 +10272,78 @@
             <a:r>
               <a:rPr lang="en-US" sz="750" dirty="0">
                 <a:solidFill>
+                  <a:srgbClr val="7030A0"/>
+                </a:solidFill>
+                <a:latin typeface="Courier" charset="0"/>
+                <a:ea typeface="Courier" charset="0"/>
+                <a:cs typeface="Courier" charset="0"/>
+              </a:rPr>
+              <a:t>    |    Control Code Type          |           Length              |</a:t>
+            </a:r>
+          </a:p>
+          <a:p>
+            <a:pPr>
+              <a:spcAft>
+                <a:spcPts val="0"/>
+              </a:spcAft>
+            </a:pPr>
+            <a:r>
+              <a:rPr lang="en-US" sz="750" dirty="0">
+                <a:solidFill>
+                  <a:srgbClr val="7030A0"/>
+                </a:solidFill>
+                <a:latin typeface="Courier" charset="0"/>
+                <a:ea typeface="Courier" charset="0"/>
+                <a:cs typeface="Courier" charset="0"/>
+              </a:rPr>
+              <a:t>    +-+-+-+-+-+-+-+-+-+-+-+-+-+-+-+-+-+-+-+-+-+-+-+-+-+-+-+-+-+-+-+-+</a:t>
+            </a:r>
+          </a:p>
+          <a:p>
+            <a:pPr>
+              <a:spcAft>
+                <a:spcPts val="0"/>
+              </a:spcAft>
+            </a:pPr>
+            <a:r>
+              <a:rPr lang="en-US" sz="750" dirty="0">
+                <a:solidFill>
+                  <a:srgbClr val="7030A0"/>
+                </a:solidFill>
+                <a:latin typeface="Courier" charset="0"/>
+                <a:ea typeface="Courier" charset="0"/>
+                <a:cs typeface="Courier" charset="0"/>
+              </a:rPr>
+              <a:t>    |             Control Code                                      |</a:t>
+            </a:r>
+          </a:p>
+          <a:p>
+            <a:pPr>
+              <a:spcAft>
+                <a:spcPts val="0"/>
+              </a:spcAft>
+            </a:pPr>
+            <a:r>
+              <a:rPr lang="en-US" sz="750" dirty="0">
+                <a:solidFill>
+                  <a:srgbClr val="7030A0"/>
+                </a:solidFill>
+                <a:latin typeface="Courier" charset="0"/>
+                <a:ea typeface="Courier" charset="0"/>
+                <a:cs typeface="Courier" charset="0"/>
+              </a:rPr>
+              <a:t>    +-+-+-+-+-+-+-+-+-+-+-+-+-+-+-+-+-+-+-+-+-+-+-+-+-+-+-+-+-+-+-+-+</a:t>
+            </a:r>
+            <a:r>
+              <a:rPr lang="en-US" sz="750" dirty="0">
+                <a:solidFill>
                   <a:srgbClr val="0070C0"/>
                 </a:solidFill>
                 <a:latin typeface="Courier" charset="0"/>
                 <a:ea typeface="Courier" charset="0"/>
                 <a:cs typeface="Courier" charset="0"/>
               </a:rPr>
-              <a:t>    |    Control Code Type          |           Length              |</a:t>
-            </a:r>
-          </a:p>
-          <a:p>
-            <a:pPr>
-              <a:spcAft>
-                <a:spcPts val="0"/>
-              </a:spcAft>
-            </a:pPr>
-            <a:r>
-              <a:rPr lang="en-US" sz="750" dirty="0">
-                <a:solidFill>
-                  <a:srgbClr val="0070C0"/>
-                </a:solidFill>
-                <a:latin typeface="Courier" charset="0"/>
-                <a:ea typeface="Courier" charset="0"/>
-                <a:cs typeface="Courier" charset="0"/>
-              </a:rPr>
-              <a:t>    +-+-+-+-+-+-+-+-+-+-+-+-+-+-+-+-+-+-+-+-+-+-+-+-+-+-+-+-+-+-+-+-+</a:t>
-            </a:r>
-          </a:p>
-          <a:p>
-            <a:pPr>
-              <a:spcAft>
-                <a:spcPts val="0"/>
-              </a:spcAft>
-            </a:pPr>
-            <a:r>
-              <a:rPr lang="en-US" sz="750" dirty="0">
-                <a:solidFill>
-                  <a:srgbClr val="0070C0"/>
-                </a:solidFill>
-                <a:latin typeface="Courier" charset="0"/>
-                <a:ea typeface="Courier" charset="0"/>
-                <a:cs typeface="Courier" charset="0"/>
-              </a:rPr>
-              <a:t>    |             Control Code                                      |</a:t>
-            </a:r>
-          </a:p>
-          <a:p>
-            <a:pPr>
-              <a:spcAft>
-                <a:spcPts val="0"/>
-              </a:spcAft>
-            </a:pPr>
-            <a:r>
-              <a:rPr lang="en-US" sz="750" dirty="0">
-                <a:solidFill>
-                  <a:srgbClr val="0070C0"/>
-                </a:solidFill>
-                <a:latin typeface="Courier" charset="0"/>
-                <a:ea typeface="Courier" charset="0"/>
-                <a:cs typeface="Courier" charset="0"/>
-              </a:rPr>
-              <a:t>    +-+-+-+-+-+-+-+-+-+-+-+-+-+-+-+-+-+-+-+-+-+-+-+-+-+-+-+-+-+-+-+-+	    </a:t>
+              <a:t>	    </a:t>
             </a:r>
           </a:p>
           <a:p>
@@ -10789,8 +10717,8 @@
         </p:nvSpPr>
         <p:spPr>
           <a:xfrm>
-            <a:off x="225302" y="4016884"/>
-            <a:ext cx="7020323" cy="769441"/>
+            <a:off x="334537" y="4089410"/>
+            <a:ext cx="7020323" cy="600164"/>
           </a:xfrm>
           <a:prstGeom prst="rect">
             <a:avLst/>
@@ -10815,7 +10743,7 @@
                 <a:latin typeface="Calibri" panose="020F0502020204030204" pitchFamily="34" charset="0"/>
                 <a:cs typeface="Calibri" panose="020F0502020204030204" pitchFamily="34" charset="0"/>
               </a:rPr>
-              <a:t>Control Code NOT compatible with TWAMP Light message format</a:t>
+              <a:t>Session ID has only 16-bits</a:t>
             </a:r>
           </a:p>
           <a:p>
@@ -10831,11 +10759,11 @@
                 <a:latin typeface="Calibri" panose="020F0502020204030204" pitchFamily="34" charset="0"/>
                 <a:cs typeface="Calibri" panose="020F0502020204030204" pitchFamily="34" charset="0"/>
               </a:rPr>
-              <a:t>Session ID has only 16-bits</a:t>
-            </a:r>
-          </a:p>
-          <a:p>
-            <a:pPr marL="285750" indent="-285750">
+              <a:t>Control code not compatible with existing TWAMP message</a:t>
+            </a:r>
+          </a:p>
+          <a:p>
+            <a:pPr marL="742950" lvl="1" indent="-285750">
               <a:buFont typeface="Wingdings" pitchFamily="2" charset="2"/>
               <a:buChar char="ü"/>
             </a:pPr>
@@ -10847,23 +10775,7 @@
                 <a:latin typeface="Calibri" panose="020F0502020204030204" pitchFamily="34" charset="0"/>
                 <a:cs typeface="Calibri" panose="020F0502020204030204" pitchFamily="34" charset="0"/>
               </a:rPr>
-              <a:t>Message formats for TWAMP Light and STAMP diverge – TWAMP Light also needs Control Code</a:t>
-            </a:r>
-          </a:p>
-          <a:p>
-            <a:pPr marL="285750" indent="-285750">
-              <a:buFont typeface="Wingdings" pitchFamily="2" charset="2"/>
-              <a:buChar char="ü"/>
-            </a:pPr>
-            <a:r>
-              <a:rPr lang="en-US" sz="1100" dirty="0">
-                <a:solidFill>
-                  <a:schemeClr val="tx2"/>
-                </a:solidFill>
-                <a:latin typeface="Calibri" panose="020F0502020204030204" pitchFamily="34" charset="0"/>
-                <a:cs typeface="Calibri" panose="020F0502020204030204" pitchFamily="34" charset="0"/>
-              </a:rPr>
-              <a:t>This option may be least favorable</a:t>
+              <a:t>Not favorable</a:t>
             </a:r>
           </a:p>
         </p:txBody>
@@ -10913,8 +10825,8 @@
         </p:nvSpPr>
         <p:spPr>
           <a:xfrm>
-            <a:off x="641864" y="143650"/>
-            <a:ext cx="7514772" cy="706080"/>
+            <a:off x="304800" y="-39330"/>
+            <a:ext cx="8505372" cy="706080"/>
           </a:xfrm>
         </p:spPr>
         <p:txBody>
@@ -10923,14 +10835,921 @@
           <a:p>
             <a:pPr algn="l"/>
             <a:r>
-              <a:rPr lang="en-US" sz="4000" dirty="0">
+              <a:rPr lang="en-US" sz="2200" dirty="0">
                 <a:solidFill>
                   <a:srgbClr val="0070C0"/>
                 </a:solidFill>
                 <a:latin typeface="Calibri Light" panose="020F0302020204030204" pitchFamily="34" charset="0"/>
                 <a:cs typeface="Calibri Light" panose="020F0302020204030204" pitchFamily="34" charset="0"/>
               </a:rPr>
-              <a:t>Next Steps</a:t>
+              <a:t>Option 5: 16-bit Session ID - 2</a:t>
+            </a:r>
+          </a:p>
+        </p:txBody>
+      </p:sp>
+      <p:sp>
+        <p:nvSpPr>
+          <p:cNvPr id="5" name="Rectangle 4"/>
+          <p:cNvSpPr/>
+          <p:nvPr/>
+        </p:nvSpPr>
+        <p:spPr>
+          <a:xfrm>
+            <a:off x="261272" y="742951"/>
+            <a:ext cx="4310728" cy="2862322"/>
+          </a:xfrm>
+          <a:prstGeom prst="rect">
+            <a:avLst/>
+          </a:prstGeom>
+          <a:noFill/>
+          <a:ln>
+            <a:solidFill>
+              <a:srgbClr val="002060"/>
+            </a:solidFill>
+          </a:ln>
+        </p:spPr>
+        <p:txBody>
+          <a:bodyPr wrap="square">
+            <a:spAutoFit/>
+          </a:bodyPr>
+          <a:lstStyle/>
+          <a:p>
+            <a:pPr>
+              <a:spcAft>
+                <a:spcPts val="0"/>
+              </a:spcAft>
+            </a:pPr>
+            <a:r>
+              <a:rPr lang="en-US" sz="750" dirty="0">
+                <a:latin typeface="Courier" charset="0"/>
+                <a:ea typeface="Courier" charset="0"/>
+                <a:cs typeface="Courier" charset="0"/>
+              </a:rPr>
+              <a:t>       0                   1                   2                   3</a:t>
+            </a:r>
+          </a:p>
+          <a:p>
+            <a:pPr>
+              <a:spcAft>
+                <a:spcPts val="0"/>
+              </a:spcAft>
+            </a:pPr>
+            <a:r>
+              <a:rPr lang="en-US" sz="750" dirty="0">
+                <a:latin typeface="Courier" charset="0"/>
+                <a:ea typeface="Courier" charset="0"/>
+                <a:cs typeface="Courier" charset="0"/>
+              </a:rPr>
+              <a:t>       0 1 2 3 4 5 6 7 8 9 0 1 2 3 4 5 6 7 8 9 0 1 2 3 4 5 6 7 8 9 0 1</a:t>
+            </a:r>
+          </a:p>
+          <a:p>
+            <a:pPr>
+              <a:spcAft>
+                <a:spcPts val="0"/>
+              </a:spcAft>
+            </a:pPr>
+            <a:r>
+              <a:rPr lang="en-US" sz="750" dirty="0">
+                <a:latin typeface="Courier" charset="0"/>
+                <a:ea typeface="Courier" charset="0"/>
+                <a:cs typeface="Courier" charset="0"/>
+              </a:rPr>
+              <a:t>      +-+-+-+-+-+-+-+-+-+-+-+-+-+-+-+-+-+-+-+-+-+-+-+-+-+-+-+-+-+-+-+-+</a:t>
+            </a:r>
+          </a:p>
+          <a:p>
+            <a:pPr>
+              <a:spcAft>
+                <a:spcPts val="0"/>
+              </a:spcAft>
+            </a:pPr>
+            <a:r>
+              <a:rPr lang="en-US" sz="750" dirty="0">
+                <a:latin typeface="Courier" charset="0"/>
+                <a:ea typeface="Courier" charset="0"/>
+                <a:cs typeface="Courier" charset="0"/>
+              </a:rPr>
+              <a:t>      |                        Sequence Number                        |</a:t>
+            </a:r>
+          </a:p>
+          <a:p>
+            <a:pPr>
+              <a:spcAft>
+                <a:spcPts val="0"/>
+              </a:spcAft>
+            </a:pPr>
+            <a:r>
+              <a:rPr lang="en-US" sz="750" dirty="0">
+                <a:latin typeface="Courier" charset="0"/>
+                <a:ea typeface="Courier" charset="0"/>
+                <a:cs typeface="Courier" charset="0"/>
+              </a:rPr>
+              <a:t>      +-+-+-+-+-+-+-+-+-+-+-+-+-+-+-+-+-+-+-+-+-+-+-+-+-+-+-+-+-+-+-+-+</a:t>
+            </a:r>
+          </a:p>
+          <a:p>
+            <a:pPr>
+              <a:spcAft>
+                <a:spcPts val="0"/>
+              </a:spcAft>
+            </a:pPr>
+            <a:r>
+              <a:rPr lang="en-US" sz="750" dirty="0">
+                <a:latin typeface="Courier" charset="0"/>
+                <a:ea typeface="Courier" charset="0"/>
+                <a:cs typeface="Courier" charset="0"/>
+              </a:rPr>
+              <a:t>      |                          Timestamp                            |</a:t>
+            </a:r>
+          </a:p>
+          <a:p>
+            <a:pPr>
+              <a:spcAft>
+                <a:spcPts val="0"/>
+              </a:spcAft>
+            </a:pPr>
+            <a:r>
+              <a:rPr lang="en-US" sz="750" dirty="0">
+                <a:latin typeface="Courier" charset="0"/>
+                <a:ea typeface="Courier" charset="0"/>
+                <a:cs typeface="Courier" charset="0"/>
+              </a:rPr>
+              <a:t>      |                                                               |</a:t>
+            </a:r>
+          </a:p>
+          <a:p>
+            <a:pPr>
+              <a:spcAft>
+                <a:spcPts val="0"/>
+              </a:spcAft>
+            </a:pPr>
+            <a:r>
+              <a:rPr lang="en-US" sz="750" dirty="0">
+                <a:latin typeface="Courier" charset="0"/>
+                <a:ea typeface="Courier" charset="0"/>
+                <a:cs typeface="Courier" charset="0"/>
+              </a:rPr>
+              <a:t>      +-+-+-+-+-+-+-+-+-+-+-+-+-+-+-+-+-+-+-+-+-+-+-+-+-+-+-+-+-+-+-+-+</a:t>
+            </a:r>
+          </a:p>
+          <a:p>
+            <a:pPr>
+              <a:spcAft>
+                <a:spcPts val="0"/>
+              </a:spcAft>
+            </a:pPr>
+            <a:r>
+              <a:rPr lang="en-US" sz="750" dirty="0">
+                <a:latin typeface="Courier" charset="0"/>
+                <a:ea typeface="Courier" charset="0"/>
+                <a:cs typeface="Courier" charset="0"/>
+              </a:rPr>
+              <a:t>      |         Error Estimate        |    </a:t>
+            </a:r>
+            <a:r>
+              <a:rPr lang="en-US" sz="750" dirty="0">
+                <a:solidFill>
+                  <a:srgbClr val="0070C0"/>
+                </a:solidFill>
+                <a:latin typeface="Courier" charset="0"/>
+                <a:ea typeface="Courier" charset="0"/>
+                <a:cs typeface="Courier" charset="0"/>
+              </a:rPr>
+              <a:t>Session ID                 </a:t>
+            </a:r>
+            <a:r>
+              <a:rPr lang="en-US" sz="750" dirty="0">
+                <a:latin typeface="Courier" charset="0"/>
+                <a:ea typeface="Courier" charset="0"/>
+                <a:cs typeface="Courier" charset="0"/>
+              </a:rPr>
+              <a:t>|</a:t>
+            </a:r>
+          </a:p>
+          <a:p>
+            <a:pPr>
+              <a:spcAft>
+                <a:spcPts val="0"/>
+              </a:spcAft>
+            </a:pPr>
+            <a:r>
+              <a:rPr lang="en-US" sz="750" dirty="0">
+                <a:latin typeface="Courier" charset="0"/>
+                <a:ea typeface="Courier" charset="0"/>
+                <a:cs typeface="Courier" charset="0"/>
+              </a:rPr>
+              <a:t>      +-+-+-+-+-+-+-+-+-+-+-+-+-+-+-+-+-+-+-+-+-+-+-+-+-+-+-+-+-+-+-+-+</a:t>
+            </a:r>
+          </a:p>
+          <a:p>
+            <a:pPr>
+              <a:spcAft>
+                <a:spcPts val="0"/>
+              </a:spcAft>
+            </a:pPr>
+            <a:r>
+              <a:rPr lang="en-US" sz="750" dirty="0">
+                <a:latin typeface="Courier" charset="0"/>
+                <a:ea typeface="Courier" charset="0"/>
+                <a:cs typeface="Courier" charset="0"/>
+              </a:rPr>
+              <a:t>      </a:t>
+            </a:r>
+            <a:r>
+              <a:rPr lang="en-US" sz="750" dirty="0">
+                <a:solidFill>
+                  <a:srgbClr val="0070C0"/>
+                </a:solidFill>
+                <a:latin typeface="Courier" charset="0"/>
+                <a:ea typeface="Courier" charset="0"/>
+                <a:cs typeface="Courier" charset="0"/>
+              </a:rPr>
+              <a:t>|</a:t>
+            </a:r>
+            <a:r>
+              <a:rPr lang="en-US" sz="750" dirty="0">
+                <a:solidFill>
+                  <a:schemeClr val="tx2"/>
+                </a:solidFill>
+                <a:latin typeface="Courier" charset="0"/>
+                <a:ea typeface="Courier" charset="0"/>
+                <a:cs typeface="Courier" charset="0"/>
+              </a:rPr>
+              <a:t>TX Control Code</a:t>
+            </a:r>
+            <a:r>
+              <a:rPr lang="en-US" sz="750" dirty="0">
+                <a:solidFill>
+                  <a:srgbClr val="0070C0"/>
+                </a:solidFill>
+                <a:latin typeface="Courier" charset="0"/>
+                <a:ea typeface="Courier" charset="0"/>
+                <a:cs typeface="Courier" charset="0"/>
+              </a:rPr>
+              <a:t>|                    MBZ                        |</a:t>
+            </a:r>
+          </a:p>
+          <a:p>
+            <a:pPr>
+              <a:spcAft>
+                <a:spcPts val="0"/>
+              </a:spcAft>
+            </a:pPr>
+            <a:r>
+              <a:rPr lang="en-US" sz="750" dirty="0">
+                <a:solidFill>
+                  <a:srgbClr val="0070C0"/>
+                </a:solidFill>
+                <a:latin typeface="Courier" charset="0"/>
+                <a:ea typeface="Courier" charset="0"/>
+                <a:cs typeface="Courier" charset="0"/>
+              </a:rPr>
+              <a:t>      +-+-+-+-+-+-+-+-+-+-+-+-+-+-+-+-+-+-+-+-+-+-+-+-+-+-+-+-+-+-+-+-+ </a:t>
+            </a:r>
+            <a:endParaRPr lang="en-US" sz="750" dirty="0">
+              <a:latin typeface="Courier" charset="0"/>
+              <a:ea typeface="Courier" charset="0"/>
+              <a:cs typeface="Courier" charset="0"/>
+            </a:endParaRPr>
+          </a:p>
+          <a:p>
+            <a:pPr>
+              <a:spcAft>
+                <a:spcPts val="0"/>
+              </a:spcAft>
+            </a:pPr>
+            <a:r>
+              <a:rPr lang="en-US" sz="750" dirty="0">
+                <a:latin typeface="Courier" charset="0"/>
+                <a:ea typeface="Courier" charset="0"/>
+                <a:cs typeface="Courier" charset="0"/>
+              </a:rPr>
+              <a:t>      |                                                               |</a:t>
+            </a:r>
+          </a:p>
+          <a:p>
+            <a:pPr>
+              <a:spcAft>
+                <a:spcPts val="0"/>
+              </a:spcAft>
+            </a:pPr>
+            <a:r>
+              <a:rPr lang="en-US" sz="750" dirty="0">
+                <a:latin typeface="Courier" charset="0"/>
+                <a:ea typeface="Courier" charset="0"/>
+                <a:cs typeface="Courier" charset="0"/>
+              </a:rPr>
+              <a:t>      |                         MBZ (24 octets)                       |</a:t>
+            </a:r>
+          </a:p>
+          <a:p>
+            <a:pPr>
+              <a:spcAft>
+                <a:spcPts val="0"/>
+              </a:spcAft>
+            </a:pPr>
+            <a:r>
+              <a:rPr lang="en-US" sz="750" dirty="0">
+                <a:latin typeface="Courier" charset="0"/>
+                <a:ea typeface="Courier" charset="0"/>
+                <a:cs typeface="Courier" charset="0"/>
+              </a:rPr>
+              <a:t>      +                                                               +</a:t>
+            </a:r>
+          </a:p>
+          <a:p>
+            <a:pPr>
+              <a:spcAft>
+                <a:spcPts val="0"/>
+              </a:spcAft>
+            </a:pPr>
+            <a:r>
+              <a:rPr lang="en-US" sz="750" dirty="0">
+                <a:latin typeface="Courier" charset="0"/>
+                <a:ea typeface="Courier" charset="0"/>
+                <a:cs typeface="Courier" charset="0"/>
+              </a:rPr>
+              <a:t>      |                                                               |</a:t>
+            </a:r>
+          </a:p>
+          <a:p>
+            <a:pPr>
+              <a:spcAft>
+                <a:spcPts val="0"/>
+              </a:spcAft>
+            </a:pPr>
+            <a:r>
+              <a:rPr lang="en-US" sz="750" dirty="0">
+                <a:latin typeface="Courier" charset="0"/>
+                <a:ea typeface="Courier" charset="0"/>
+                <a:cs typeface="Courier" charset="0"/>
+              </a:rPr>
+              <a:t>      |                                                               |</a:t>
+            </a:r>
+          </a:p>
+          <a:p>
+            <a:pPr>
+              <a:spcAft>
+                <a:spcPts val="0"/>
+              </a:spcAft>
+            </a:pPr>
+            <a:r>
+              <a:rPr lang="en-US" sz="750" dirty="0">
+                <a:latin typeface="Courier" charset="0"/>
+                <a:ea typeface="Courier" charset="0"/>
+                <a:cs typeface="Courier" charset="0"/>
+              </a:rPr>
+              <a:t>      +                                                               +</a:t>
+            </a:r>
+          </a:p>
+          <a:p>
+            <a:pPr>
+              <a:spcAft>
+                <a:spcPts val="0"/>
+              </a:spcAft>
+            </a:pPr>
+            <a:r>
+              <a:rPr lang="en-US" sz="750" dirty="0">
+                <a:latin typeface="Courier" charset="0"/>
+                <a:ea typeface="Courier" charset="0"/>
+                <a:cs typeface="Courier" charset="0"/>
+              </a:rPr>
+              <a:t>      |                                                               |</a:t>
+            </a:r>
+          </a:p>
+          <a:p>
+            <a:pPr>
+              <a:spcAft>
+                <a:spcPts val="0"/>
+              </a:spcAft>
+            </a:pPr>
+            <a:r>
+              <a:rPr lang="en-US" sz="750" dirty="0">
+                <a:latin typeface="Courier" charset="0"/>
+                <a:ea typeface="Courier" charset="0"/>
+                <a:cs typeface="Courier" charset="0"/>
+              </a:rPr>
+              <a:t>      +                                                               +</a:t>
+            </a:r>
+          </a:p>
+          <a:p>
+            <a:pPr>
+              <a:spcAft>
+                <a:spcPts val="0"/>
+              </a:spcAft>
+            </a:pPr>
+            <a:r>
+              <a:rPr lang="en-US" sz="750" dirty="0">
+                <a:latin typeface="Courier" charset="0"/>
+                <a:ea typeface="Courier" charset="0"/>
+                <a:cs typeface="Courier" charset="0"/>
+              </a:rPr>
+              <a:t>      |                                                               |</a:t>
+            </a:r>
+          </a:p>
+          <a:p>
+            <a:pPr>
+              <a:spcAft>
+                <a:spcPts val="0"/>
+              </a:spcAft>
+            </a:pPr>
+            <a:r>
+              <a:rPr lang="en-US" sz="750" dirty="0">
+                <a:latin typeface="Courier" charset="0"/>
+                <a:ea typeface="Courier" charset="0"/>
+                <a:cs typeface="Courier" charset="0"/>
+              </a:rPr>
+              <a:t>      +-+-+-+-+-+-+-+-+-+-+-+-+-+-+-+-+-+-+-+-+-+-+-+-+-+-+-+-+-+-+-+-+</a:t>
+            </a:r>
+          </a:p>
+          <a:p>
+            <a:pPr>
+              <a:spcAft>
+                <a:spcPts val="0"/>
+              </a:spcAft>
+            </a:pPr>
+            <a:endParaRPr lang="en-US" sz="750" dirty="0">
+              <a:latin typeface="Courier" charset="0"/>
+              <a:ea typeface="Courier" charset="0"/>
+              <a:cs typeface="Courier" charset="0"/>
+            </a:endParaRPr>
+          </a:p>
+          <a:p>
+            <a:pPr>
+              <a:spcAft>
+                <a:spcPts val="0"/>
+              </a:spcAft>
+            </a:pPr>
+            <a:r>
+              <a:rPr lang="en-US" sz="750" dirty="0">
+                <a:latin typeface="Courier" charset="0"/>
+                <a:ea typeface="Courier" charset="0"/>
+                <a:cs typeface="Courier" charset="0"/>
+              </a:rPr>
+              <a:t>	    Figure: Sender Message Format in STAMP</a:t>
+            </a:r>
+          </a:p>
+        </p:txBody>
+      </p:sp>
+      <p:sp>
+        <p:nvSpPr>
+          <p:cNvPr id="14" name="Rectangle 13">
+            <a:extLst>
+              <a:ext uri="{FF2B5EF4-FFF2-40B4-BE49-F238E27FC236}">
+                <a16:creationId xmlns:a16="http://schemas.microsoft.com/office/drawing/2014/main" id="{5F9D9D1B-92A3-C64D-87B1-9B0B9C9E3A13}"/>
+              </a:ext>
+            </a:extLst>
+          </p:cNvPr>
+          <p:cNvSpPr/>
+          <p:nvPr/>
+        </p:nvSpPr>
+        <p:spPr>
+          <a:xfrm>
+            <a:off x="4572000" y="742950"/>
+            <a:ext cx="4368799" cy="2862322"/>
+          </a:xfrm>
+          <a:prstGeom prst="rect">
+            <a:avLst/>
+          </a:prstGeom>
+          <a:noFill/>
+          <a:ln>
+            <a:solidFill>
+              <a:srgbClr val="002060"/>
+            </a:solidFill>
+          </a:ln>
+        </p:spPr>
+        <p:txBody>
+          <a:bodyPr wrap="square">
+            <a:spAutoFit/>
+          </a:bodyPr>
+          <a:lstStyle/>
+          <a:p>
+            <a:pPr>
+              <a:spcAft>
+                <a:spcPts val="0"/>
+              </a:spcAft>
+            </a:pPr>
+            <a:r>
+              <a:rPr lang="en-US" sz="750" dirty="0">
+                <a:latin typeface="Courier" charset="0"/>
+                <a:ea typeface="Courier" charset="0"/>
+                <a:cs typeface="Courier" charset="0"/>
+              </a:rPr>
+              <a:t>     0                   1                   2                   3</a:t>
+            </a:r>
+          </a:p>
+          <a:p>
+            <a:pPr>
+              <a:spcAft>
+                <a:spcPts val="0"/>
+              </a:spcAft>
+            </a:pPr>
+            <a:r>
+              <a:rPr lang="en-US" sz="750" dirty="0">
+                <a:latin typeface="Courier" charset="0"/>
+                <a:ea typeface="Courier" charset="0"/>
+                <a:cs typeface="Courier" charset="0"/>
+              </a:rPr>
+              <a:t>     0 1 2 3 4 5 6 7 8 9 0 1 2 3 4 5 6 7 8 9 0 1 2 3 4 5 6 7 8 9 0 1</a:t>
+            </a:r>
+          </a:p>
+          <a:p>
+            <a:pPr>
+              <a:spcAft>
+                <a:spcPts val="0"/>
+              </a:spcAft>
+            </a:pPr>
+            <a:r>
+              <a:rPr lang="en-US" sz="750" dirty="0">
+                <a:latin typeface="Courier" charset="0"/>
+                <a:ea typeface="Courier" charset="0"/>
+                <a:cs typeface="Courier" charset="0"/>
+              </a:rPr>
+              <a:t>    +-+-+-+-+-+-+-+-+-+-+-+-+-+-+-+-+-+-+-+-+-+-+-+-+-+-+-+-+-+-+-+-+</a:t>
+            </a:r>
+          </a:p>
+          <a:p>
+            <a:pPr>
+              <a:spcAft>
+                <a:spcPts val="0"/>
+              </a:spcAft>
+            </a:pPr>
+            <a:r>
+              <a:rPr lang="en-US" sz="750" dirty="0">
+                <a:latin typeface="Courier" charset="0"/>
+                <a:ea typeface="Courier" charset="0"/>
+                <a:cs typeface="Courier" charset="0"/>
+              </a:rPr>
+              <a:t>    |                        Sequence Number                        |</a:t>
+            </a:r>
+          </a:p>
+          <a:p>
+            <a:pPr>
+              <a:spcAft>
+                <a:spcPts val="0"/>
+              </a:spcAft>
+            </a:pPr>
+            <a:r>
+              <a:rPr lang="en-US" sz="750" dirty="0">
+                <a:latin typeface="Courier" charset="0"/>
+                <a:ea typeface="Courier" charset="0"/>
+                <a:cs typeface="Courier" charset="0"/>
+              </a:rPr>
+              <a:t>    +-+-+-+-+-+-+-+-+-+-+-+-+-+-+-+-+-+-+-+-+-+-+-+-+-+-+-+-+-+-+-+-+</a:t>
+            </a:r>
+          </a:p>
+          <a:p>
+            <a:pPr>
+              <a:spcAft>
+                <a:spcPts val="0"/>
+              </a:spcAft>
+            </a:pPr>
+            <a:r>
+              <a:rPr lang="en-US" sz="750" dirty="0">
+                <a:latin typeface="Courier" charset="0"/>
+                <a:ea typeface="Courier" charset="0"/>
+                <a:cs typeface="Courier" charset="0"/>
+              </a:rPr>
+              <a:t>    |                          Timestamp                            |</a:t>
+            </a:r>
+          </a:p>
+          <a:p>
+            <a:pPr>
+              <a:spcAft>
+                <a:spcPts val="0"/>
+              </a:spcAft>
+            </a:pPr>
+            <a:r>
+              <a:rPr lang="en-US" sz="750" dirty="0">
+                <a:latin typeface="Courier" charset="0"/>
+                <a:ea typeface="Courier" charset="0"/>
+                <a:cs typeface="Courier" charset="0"/>
+              </a:rPr>
+              <a:t>    |                                                               |</a:t>
+            </a:r>
+          </a:p>
+          <a:p>
+            <a:pPr>
+              <a:spcAft>
+                <a:spcPts val="0"/>
+              </a:spcAft>
+            </a:pPr>
+            <a:r>
+              <a:rPr lang="en-US" sz="750" dirty="0">
+                <a:latin typeface="Courier" charset="0"/>
+                <a:ea typeface="Courier" charset="0"/>
+                <a:cs typeface="Courier" charset="0"/>
+              </a:rPr>
+              <a:t>    +-+-+-+-+-+-+-+-+-+-+-+-+-+-+-+-+-+-+-+-+-+-+-+-+-+-+-+-+-+-+-+-+</a:t>
+            </a:r>
+          </a:p>
+          <a:p>
+            <a:pPr>
+              <a:spcAft>
+                <a:spcPts val="0"/>
+              </a:spcAft>
+            </a:pPr>
+            <a:r>
+              <a:rPr lang="en-US" sz="750" dirty="0">
+                <a:latin typeface="Courier" charset="0"/>
+                <a:ea typeface="Courier" charset="0"/>
+                <a:cs typeface="Courier" charset="0"/>
+              </a:rPr>
+              <a:t>    |         Error Estimate        |   </a:t>
+            </a:r>
+            <a:r>
+              <a:rPr lang="en-US" sz="750" dirty="0">
+                <a:solidFill>
+                  <a:srgbClr val="0070C0"/>
+                </a:solidFill>
+                <a:latin typeface="Courier" charset="0"/>
+                <a:ea typeface="Courier" charset="0"/>
+                <a:cs typeface="Courier" charset="0"/>
+              </a:rPr>
+              <a:t>Session ID                  </a:t>
+            </a:r>
+            <a:r>
+              <a:rPr lang="en-US" sz="750" dirty="0">
+                <a:latin typeface="Courier" charset="0"/>
+                <a:ea typeface="Courier" charset="0"/>
+                <a:cs typeface="Courier" charset="0"/>
+              </a:rPr>
+              <a:t>|    </a:t>
+            </a:r>
+          </a:p>
+          <a:p>
+            <a:pPr>
+              <a:spcAft>
+                <a:spcPts val="0"/>
+              </a:spcAft>
+            </a:pPr>
+            <a:r>
+              <a:rPr lang="en-US" sz="750" dirty="0">
+                <a:latin typeface="Courier" charset="0"/>
+                <a:ea typeface="Courier" charset="0"/>
+                <a:cs typeface="Courier" charset="0"/>
+              </a:rPr>
+              <a:t>    +-+-+-+-+-+-+-+-+-+-+-+-+-+-+-+-+-+-+-+-+-+-+-+-+-+-+-+-+-+-+-+-+</a:t>
+            </a:r>
+          </a:p>
+          <a:p>
+            <a:pPr>
+              <a:spcAft>
+                <a:spcPts val="0"/>
+              </a:spcAft>
+            </a:pPr>
+            <a:r>
+              <a:rPr lang="en-US" sz="750" dirty="0">
+                <a:latin typeface="Courier" charset="0"/>
+                <a:ea typeface="Courier" charset="0"/>
+                <a:cs typeface="Courier" charset="0"/>
+              </a:rPr>
+              <a:t>    |                          Receive Timestamp                    |</a:t>
+            </a:r>
+          </a:p>
+          <a:p>
+            <a:pPr>
+              <a:spcAft>
+                <a:spcPts val="0"/>
+              </a:spcAft>
+            </a:pPr>
+            <a:r>
+              <a:rPr lang="en-US" sz="750" dirty="0">
+                <a:latin typeface="Courier" charset="0"/>
+                <a:ea typeface="Courier" charset="0"/>
+                <a:cs typeface="Courier" charset="0"/>
+              </a:rPr>
+              <a:t>    |                                                               |</a:t>
+            </a:r>
+          </a:p>
+          <a:p>
+            <a:pPr>
+              <a:spcAft>
+                <a:spcPts val="0"/>
+              </a:spcAft>
+            </a:pPr>
+            <a:r>
+              <a:rPr lang="en-US" sz="750" dirty="0">
+                <a:latin typeface="Courier" charset="0"/>
+                <a:ea typeface="Courier" charset="0"/>
+                <a:cs typeface="Courier" charset="0"/>
+              </a:rPr>
+              <a:t>    +-+-+-+-+-+-+-+-+-+-+-+-+-+-+-+-+-+-+-+-+-+-+-+-+-+-+-+-+-+-+-+-+</a:t>
+            </a:r>
+          </a:p>
+          <a:p>
+            <a:pPr>
+              <a:spcAft>
+                <a:spcPts val="0"/>
+              </a:spcAft>
+            </a:pPr>
+            <a:r>
+              <a:rPr lang="en-US" sz="750" dirty="0">
+                <a:latin typeface="Courier" charset="0"/>
+                <a:ea typeface="Courier" charset="0"/>
+                <a:cs typeface="Courier" charset="0"/>
+              </a:rPr>
+              <a:t>    |                 Session-Sender Sequence Number                |</a:t>
+            </a:r>
+          </a:p>
+          <a:p>
+            <a:pPr>
+              <a:spcAft>
+                <a:spcPts val="0"/>
+              </a:spcAft>
+            </a:pPr>
+            <a:r>
+              <a:rPr lang="en-US" sz="750" dirty="0">
+                <a:latin typeface="Courier" charset="0"/>
+                <a:ea typeface="Courier" charset="0"/>
+                <a:cs typeface="Courier" charset="0"/>
+              </a:rPr>
+              <a:t>    +-+-+-+-+-+-+-+-+-+-+-+-+-+-+-+-+-+-+-+-+-+-+-+-+-+-+-+-+-+-+-+-+</a:t>
+            </a:r>
+          </a:p>
+          <a:p>
+            <a:pPr>
+              <a:spcAft>
+                <a:spcPts val="0"/>
+              </a:spcAft>
+            </a:pPr>
+            <a:r>
+              <a:rPr lang="en-US" sz="750" dirty="0">
+                <a:latin typeface="Courier" charset="0"/>
+                <a:ea typeface="Courier" charset="0"/>
+                <a:cs typeface="Courier" charset="0"/>
+              </a:rPr>
+              <a:t>    |                 Session-Sender Timestamp                      |</a:t>
+            </a:r>
+          </a:p>
+          <a:p>
+            <a:pPr>
+              <a:spcAft>
+                <a:spcPts val="0"/>
+              </a:spcAft>
+            </a:pPr>
+            <a:r>
+              <a:rPr lang="en-US" sz="750" dirty="0">
+                <a:latin typeface="Courier" charset="0"/>
+                <a:ea typeface="Courier" charset="0"/>
+                <a:cs typeface="Courier" charset="0"/>
+              </a:rPr>
+              <a:t>    |                                                               |</a:t>
+            </a:r>
+          </a:p>
+          <a:p>
+            <a:pPr>
+              <a:spcAft>
+                <a:spcPts val="0"/>
+              </a:spcAft>
+            </a:pPr>
+            <a:r>
+              <a:rPr lang="en-US" sz="750" dirty="0">
+                <a:latin typeface="Courier" charset="0"/>
+                <a:ea typeface="Courier" charset="0"/>
+                <a:cs typeface="Courier" charset="0"/>
+              </a:rPr>
+              <a:t>    +-+-+-+-+-+-+-+-+-+-+-+-+-+-+-+-+-+-+-+-+-+-+-+-+-+-+-+-+-+-+-+-+</a:t>
+            </a:r>
+          </a:p>
+          <a:p>
+            <a:pPr>
+              <a:spcAft>
+                <a:spcPts val="0"/>
+              </a:spcAft>
+            </a:pPr>
+            <a:r>
+              <a:rPr lang="en-US" sz="750" dirty="0">
+                <a:latin typeface="Courier" charset="0"/>
+                <a:ea typeface="Courier" charset="0"/>
+                <a:cs typeface="Courier" charset="0"/>
+              </a:rPr>
+              <a:t>    | Session-Sender Error Estimate |</a:t>
+            </a:r>
+            <a:r>
+              <a:rPr lang="en-US" sz="750" dirty="0">
+                <a:solidFill>
+                  <a:srgbClr val="7030A0"/>
+                </a:solidFill>
+                <a:latin typeface="Courier" charset="0"/>
+                <a:ea typeface="Courier" charset="0"/>
+                <a:cs typeface="Courier" charset="0"/>
+              </a:rPr>
+              <a:t>RX Control Code</a:t>
+            </a:r>
+            <a:r>
+              <a:rPr lang="en-US" sz="750" dirty="0">
+                <a:solidFill>
+                  <a:schemeClr val="tx2"/>
+                </a:solidFill>
+                <a:latin typeface="Courier" charset="0"/>
+                <a:ea typeface="Courier" charset="0"/>
+                <a:cs typeface="Courier" charset="0"/>
+              </a:rPr>
+              <a:t>|  MBZ          </a:t>
+            </a:r>
+            <a:r>
+              <a:rPr lang="en-US" sz="750" dirty="0">
+                <a:latin typeface="Courier" charset="0"/>
+                <a:ea typeface="Courier" charset="0"/>
+                <a:cs typeface="Courier" charset="0"/>
+              </a:rPr>
+              <a:t>|</a:t>
+            </a:r>
+          </a:p>
+          <a:p>
+            <a:pPr>
+              <a:spcAft>
+                <a:spcPts val="0"/>
+              </a:spcAft>
+            </a:pPr>
+            <a:r>
+              <a:rPr lang="en-US" sz="750" dirty="0">
+                <a:latin typeface="Courier" charset="0"/>
+                <a:ea typeface="Courier" charset="0"/>
+                <a:cs typeface="Courier" charset="0"/>
+              </a:rPr>
+              <a:t>    +-+-+-+-+-+-+-+-+-+-+-+-+-+-+-+-+-+-+-+-+-+-+-+-+-+-+-+-+-+-+-+-+</a:t>
+            </a:r>
+          </a:p>
+          <a:p>
+            <a:pPr>
+              <a:spcAft>
+                <a:spcPts val="0"/>
+              </a:spcAft>
+            </a:pPr>
+            <a:r>
+              <a:rPr lang="en-US" sz="750" dirty="0">
+                <a:latin typeface="Courier" charset="0"/>
+                <a:ea typeface="Courier" charset="0"/>
+                <a:cs typeface="Courier" charset="0"/>
+              </a:rPr>
+              <a:t>    |</a:t>
+            </a:r>
+            <a:r>
+              <a:rPr lang="en-US" sz="750" dirty="0" err="1">
+                <a:latin typeface="Courier" charset="0"/>
+                <a:ea typeface="Courier" charset="0"/>
+                <a:cs typeface="Courier" charset="0"/>
+              </a:rPr>
+              <a:t>Ses</a:t>
+            </a:r>
+            <a:r>
+              <a:rPr lang="en-US" sz="750" dirty="0">
+                <a:latin typeface="Courier" charset="0"/>
+                <a:ea typeface="Courier" charset="0"/>
+                <a:cs typeface="Courier" charset="0"/>
+              </a:rPr>
+              <a:t>-Sender TTL |                 MBZ                           |</a:t>
+            </a:r>
+          </a:p>
+          <a:p>
+            <a:pPr>
+              <a:spcAft>
+                <a:spcPts val="0"/>
+              </a:spcAft>
+            </a:pPr>
+            <a:r>
+              <a:rPr lang="en-US" sz="750" dirty="0">
+                <a:latin typeface="Courier" charset="0"/>
+                <a:ea typeface="Courier" charset="0"/>
+                <a:cs typeface="Courier" charset="0"/>
+              </a:rPr>
+              <a:t>    +-+-+-+-+-+-+-+-+-+-+-+-+-+-+-+-+-+-+-+-+-+-+-+-+-+-+-+-+-+-+-+-+</a:t>
+            </a:r>
+          </a:p>
+          <a:p>
+            <a:pPr>
+              <a:spcAft>
+                <a:spcPts val="0"/>
+              </a:spcAft>
+            </a:pPr>
+            <a:r>
+              <a:rPr lang="en-US" sz="750" dirty="0">
+                <a:solidFill>
+                  <a:srgbClr val="0070C0"/>
+                </a:solidFill>
+                <a:latin typeface="Courier" charset="0"/>
+                <a:ea typeface="Courier" charset="0"/>
+                <a:cs typeface="Courier" charset="0"/>
+              </a:rPr>
+              <a:t>	    </a:t>
+            </a:r>
+          </a:p>
+          <a:p>
+            <a:pPr>
+              <a:spcAft>
+                <a:spcPts val="0"/>
+              </a:spcAft>
+            </a:pPr>
+            <a:r>
+              <a:rPr lang="en-US" sz="750" dirty="0">
+                <a:latin typeface="Courier" charset="0"/>
+                <a:ea typeface="Courier" charset="0"/>
+                <a:cs typeface="Courier" charset="0"/>
+              </a:rPr>
+              <a:t>                 Figure: Reflector Message Format in STAMP</a:t>
             </a:r>
           </a:p>
         </p:txBody>
@@ -11277,6 +12096,458 @@
       </p:sp>
       <p:sp>
         <p:nvSpPr>
+          <p:cNvPr id="8" name="TextBox 7">
+            <a:extLst>
+              <a:ext uri="{FF2B5EF4-FFF2-40B4-BE49-F238E27FC236}">
+                <a16:creationId xmlns:a16="http://schemas.microsoft.com/office/drawing/2014/main" id="{37CBC2EA-1BDB-8446-B97D-65F09F083354}"/>
+              </a:ext>
+            </a:extLst>
+          </p:cNvPr>
+          <p:cNvSpPr txBox="1"/>
+          <p:nvPr/>
+        </p:nvSpPr>
+        <p:spPr>
+          <a:xfrm>
+            <a:off x="304800" y="4032512"/>
+            <a:ext cx="7020323" cy="261610"/>
+          </a:xfrm>
+          <a:prstGeom prst="rect">
+            <a:avLst/>
+          </a:prstGeom>
+          <a:noFill/>
+        </p:spPr>
+        <p:txBody>
+          <a:bodyPr wrap="square" rtlCol="0">
+            <a:spAutoFit/>
+          </a:bodyPr>
+          <a:lstStyle/>
+          <a:p>
+            <a:pPr marL="285750" indent="-285750">
+              <a:buFont typeface="Wingdings" pitchFamily="2" charset="2"/>
+              <a:buChar char="ü"/>
+            </a:pPr>
+            <a:r>
+              <a:rPr lang="en-US" sz="1100" dirty="0">
+                <a:solidFill>
+                  <a:schemeClr val="tx2"/>
+                </a:solidFill>
+                <a:latin typeface="Calibri" panose="020F0502020204030204" pitchFamily="34" charset="0"/>
+                <a:cs typeface="Calibri" panose="020F0502020204030204" pitchFamily="34" charset="0"/>
+              </a:rPr>
+              <a:t>Session ID has only 16-bits</a:t>
+            </a:r>
+          </a:p>
+        </p:txBody>
+      </p:sp>
+    </p:spTree>
+    <p:extLst>
+      <p:ext uri="{BB962C8B-B14F-4D97-AF65-F5344CB8AC3E}">
+        <p14:creationId xmlns:p14="http://schemas.microsoft.com/office/powerpoint/2010/main" val="2294583788"/>
+      </p:ext>
+    </p:extLst>
+  </p:cSld>
+  <p:clrMapOvr>
+    <a:masterClrMapping/>
+  </p:clrMapOvr>
+  <p:transition spd="med">
+    <p:fade/>
+  </p:transition>
+</p:sld>
+</file>
+
+<file path=ppt/slides/slide8.xml><?xml version="1.0" encoding="utf-8"?>
+<p:sld xmlns:a="http://schemas.openxmlformats.org/drawingml/2006/main" xmlns:r="http://schemas.openxmlformats.org/officeDocument/2006/relationships" xmlns:p="http://schemas.openxmlformats.org/presentationml/2006/main">
+  <p:cSld>
+    <p:spTree>
+      <p:nvGrpSpPr>
+        <p:cNvPr id="1" name=""/>
+        <p:cNvGrpSpPr/>
+        <p:nvPr/>
+      </p:nvGrpSpPr>
+      <p:grpSpPr>
+        <a:xfrm>
+          <a:off x="0" y="0"/>
+          <a:ext cx="0" cy="0"/>
+          <a:chOff x="0" y="0"/>
+          <a:chExt cx="0" cy="0"/>
+        </a:xfrm>
+      </p:grpSpPr>
+      <p:sp>
+        <p:nvSpPr>
+          <p:cNvPr id="3" name="Title 2"/>
+          <p:cNvSpPr>
+            <a:spLocks noGrp="1"/>
+          </p:cNvSpPr>
+          <p:nvPr>
+            <p:ph type="title"/>
+          </p:nvPr>
+        </p:nvSpPr>
+        <p:spPr>
+          <a:xfrm>
+            <a:off x="641864" y="143650"/>
+            <a:ext cx="7514772" cy="706080"/>
+          </a:xfrm>
+        </p:spPr>
+        <p:txBody>
+          <a:bodyPr/>
+          <a:lstStyle/>
+          <a:p>
+            <a:pPr algn="l"/>
+            <a:r>
+              <a:rPr lang="en-US" sz="4000" dirty="0">
+                <a:solidFill>
+                  <a:srgbClr val="0070C0"/>
+                </a:solidFill>
+                <a:latin typeface="Calibri Light" panose="020F0302020204030204" pitchFamily="34" charset="0"/>
+                <a:cs typeface="Calibri Light" panose="020F0302020204030204" pitchFamily="34" charset="0"/>
+              </a:rPr>
+              <a:t>Next Steps</a:t>
+            </a:r>
+          </a:p>
+        </p:txBody>
+      </p:sp>
+      <p:sp>
+        <p:nvSpPr>
+          <p:cNvPr id="6" name="Footer Placeholder 3">
+            <a:extLst>
+              <a:ext uri="{FF2B5EF4-FFF2-40B4-BE49-F238E27FC236}">
+                <a16:creationId xmlns:a16="http://schemas.microsoft.com/office/drawing/2014/main" id="{DAAC01B7-F9FF-A94D-AC6F-E2071AD95C28}"/>
+              </a:ext>
+            </a:extLst>
+          </p:cNvPr>
+          <p:cNvSpPr txBox="1">
+            <a:spLocks/>
+          </p:cNvSpPr>
+          <p:nvPr/>
+        </p:nvSpPr>
+        <p:spPr>
+          <a:xfrm>
+            <a:off x="3467100" y="4844952"/>
+            <a:ext cx="2209800" cy="357188"/>
+          </a:xfrm>
+          <a:prstGeom prst="rect">
+            <a:avLst/>
+          </a:prstGeom>
+        </p:spPr>
+        <p:txBody>
+          <a:bodyPr/>
+          <a:lstStyle>
+            <a:defPPr>
+              <a:defRPr lang="zh-CN"/>
+            </a:defPPr>
+            <a:lvl1pPr algn="l" rtl="0" fontAlgn="base">
+              <a:spcBef>
+                <a:spcPct val="0"/>
+              </a:spcBef>
+              <a:spcAft>
+                <a:spcPct val="0"/>
+              </a:spcAft>
+              <a:defRPr kern="1200">
+                <a:solidFill>
+                  <a:schemeClr val="tx1"/>
+                </a:solidFill>
+                <a:latin typeface="Arial" charset="0"/>
+                <a:ea typeface="宋体" pitchFamily="2" charset="-122"/>
+                <a:cs typeface="+mn-cs"/>
+              </a:defRPr>
+            </a:lvl1pPr>
+            <a:lvl2pPr marL="457200" algn="l" rtl="0" fontAlgn="base">
+              <a:spcBef>
+                <a:spcPct val="0"/>
+              </a:spcBef>
+              <a:spcAft>
+                <a:spcPct val="0"/>
+              </a:spcAft>
+              <a:defRPr kern="1200">
+                <a:solidFill>
+                  <a:schemeClr val="tx1"/>
+                </a:solidFill>
+                <a:latin typeface="Arial" charset="0"/>
+                <a:ea typeface="宋体" pitchFamily="2" charset="-122"/>
+                <a:cs typeface="+mn-cs"/>
+              </a:defRPr>
+            </a:lvl2pPr>
+            <a:lvl3pPr marL="914400" algn="l" rtl="0" fontAlgn="base">
+              <a:spcBef>
+                <a:spcPct val="0"/>
+              </a:spcBef>
+              <a:spcAft>
+                <a:spcPct val="0"/>
+              </a:spcAft>
+              <a:defRPr kern="1200">
+                <a:solidFill>
+                  <a:schemeClr val="tx1"/>
+                </a:solidFill>
+                <a:latin typeface="Arial" charset="0"/>
+                <a:ea typeface="宋体" pitchFamily="2" charset="-122"/>
+                <a:cs typeface="+mn-cs"/>
+              </a:defRPr>
+            </a:lvl3pPr>
+            <a:lvl4pPr marL="1371600" algn="l" rtl="0" fontAlgn="base">
+              <a:spcBef>
+                <a:spcPct val="0"/>
+              </a:spcBef>
+              <a:spcAft>
+                <a:spcPct val="0"/>
+              </a:spcAft>
+              <a:defRPr kern="1200">
+                <a:solidFill>
+                  <a:schemeClr val="tx1"/>
+                </a:solidFill>
+                <a:latin typeface="Arial" charset="0"/>
+                <a:ea typeface="宋体" pitchFamily="2" charset="-122"/>
+                <a:cs typeface="+mn-cs"/>
+              </a:defRPr>
+            </a:lvl4pPr>
+            <a:lvl5pPr marL="1828800" algn="l" rtl="0" fontAlgn="base">
+              <a:spcBef>
+                <a:spcPct val="0"/>
+              </a:spcBef>
+              <a:spcAft>
+                <a:spcPct val="0"/>
+              </a:spcAft>
+              <a:defRPr kern="1200">
+                <a:solidFill>
+                  <a:schemeClr val="tx1"/>
+                </a:solidFill>
+                <a:latin typeface="Arial" charset="0"/>
+                <a:ea typeface="宋体" pitchFamily="2" charset="-122"/>
+                <a:cs typeface="+mn-cs"/>
+              </a:defRPr>
+            </a:lvl5pPr>
+            <a:lvl6pPr marL="2286000" algn="l" defTabSz="914400" rtl="0" eaLnBrk="1" latinLnBrk="0" hangingPunct="1">
+              <a:defRPr kern="1200">
+                <a:solidFill>
+                  <a:schemeClr val="tx1"/>
+                </a:solidFill>
+                <a:latin typeface="Arial" charset="0"/>
+                <a:ea typeface="宋体" pitchFamily="2" charset="-122"/>
+                <a:cs typeface="+mn-cs"/>
+              </a:defRPr>
+            </a:lvl6pPr>
+            <a:lvl7pPr marL="2743200" algn="l" defTabSz="914400" rtl="0" eaLnBrk="1" latinLnBrk="0" hangingPunct="1">
+              <a:defRPr kern="1200">
+                <a:solidFill>
+                  <a:schemeClr val="tx1"/>
+                </a:solidFill>
+                <a:latin typeface="Arial" charset="0"/>
+                <a:ea typeface="宋体" pitchFamily="2" charset="-122"/>
+                <a:cs typeface="+mn-cs"/>
+              </a:defRPr>
+            </a:lvl7pPr>
+            <a:lvl8pPr marL="3200400" algn="l" defTabSz="914400" rtl="0" eaLnBrk="1" latinLnBrk="0" hangingPunct="1">
+              <a:defRPr kern="1200">
+                <a:solidFill>
+                  <a:schemeClr val="tx1"/>
+                </a:solidFill>
+                <a:latin typeface="Arial" charset="0"/>
+                <a:ea typeface="宋体" pitchFamily="2" charset="-122"/>
+                <a:cs typeface="+mn-cs"/>
+              </a:defRPr>
+            </a:lvl8pPr>
+            <a:lvl9pPr marL="3657600" algn="l" defTabSz="914400" rtl="0" eaLnBrk="1" latinLnBrk="0" hangingPunct="1">
+              <a:defRPr kern="1200">
+                <a:solidFill>
+                  <a:schemeClr val="tx1"/>
+                </a:solidFill>
+                <a:latin typeface="Arial" charset="0"/>
+                <a:ea typeface="宋体" pitchFamily="2" charset="-122"/>
+                <a:cs typeface="+mn-cs"/>
+              </a:defRPr>
+            </a:lvl9pPr>
+          </a:lstStyle>
+          <a:p>
+            <a:pPr>
+              <a:defRPr/>
+            </a:pPr>
+            <a:r>
+              <a:rPr lang="en-US" altLang="zh-CN" sz="1200" dirty="0"/>
+              <a:t>107</a:t>
+            </a:r>
+            <a:r>
+              <a:rPr lang="en-US" altLang="zh-CN" sz="1200" baseline="30000" dirty="0"/>
+              <a:t>th</a:t>
+            </a:r>
+            <a:r>
+              <a:rPr lang="en-US" altLang="zh-CN" sz="1200" dirty="0"/>
+              <a:t> IETF @ Vancouver</a:t>
+            </a:r>
+          </a:p>
+        </p:txBody>
+      </p:sp>
+      <p:sp>
+        <p:nvSpPr>
+          <p:cNvPr id="7" name="Slide Number Placeholder 2">
+            <a:extLst>
+              <a:ext uri="{FF2B5EF4-FFF2-40B4-BE49-F238E27FC236}">
+                <a16:creationId xmlns:a16="http://schemas.microsoft.com/office/drawing/2014/main" id="{8D46899F-25E7-8042-9E81-459B5F041477}"/>
+              </a:ext>
+            </a:extLst>
+          </p:cNvPr>
+          <p:cNvSpPr txBox="1">
+            <a:spLocks/>
+          </p:cNvSpPr>
+          <p:nvPr/>
+        </p:nvSpPr>
+        <p:spPr>
+          <a:xfrm>
+            <a:off x="7585136" y="4666358"/>
+            <a:ext cx="1143000" cy="357188"/>
+          </a:xfrm>
+          <a:prstGeom prst="rect">
+            <a:avLst/>
+          </a:prstGeom>
+        </p:spPr>
+        <p:txBody>
+          <a:bodyPr/>
+          <a:lstStyle>
+            <a:defPPr>
+              <a:defRPr lang="zh-CN"/>
+            </a:defPPr>
+            <a:lvl1pPr algn="l" rtl="0" fontAlgn="base">
+              <a:spcBef>
+                <a:spcPct val="0"/>
+              </a:spcBef>
+              <a:spcAft>
+                <a:spcPct val="0"/>
+              </a:spcAft>
+              <a:defRPr kern="1200">
+                <a:solidFill>
+                  <a:schemeClr val="tx1"/>
+                </a:solidFill>
+                <a:latin typeface="Arial" charset="0"/>
+                <a:ea typeface="宋体" pitchFamily="2" charset="-122"/>
+                <a:cs typeface="+mn-cs"/>
+              </a:defRPr>
+            </a:lvl1pPr>
+            <a:lvl2pPr marL="457200" algn="l" rtl="0" fontAlgn="base">
+              <a:spcBef>
+                <a:spcPct val="0"/>
+              </a:spcBef>
+              <a:spcAft>
+                <a:spcPct val="0"/>
+              </a:spcAft>
+              <a:defRPr kern="1200">
+                <a:solidFill>
+                  <a:schemeClr val="tx1"/>
+                </a:solidFill>
+                <a:latin typeface="Arial" charset="0"/>
+                <a:ea typeface="宋体" pitchFamily="2" charset="-122"/>
+                <a:cs typeface="+mn-cs"/>
+              </a:defRPr>
+            </a:lvl2pPr>
+            <a:lvl3pPr marL="914400" algn="l" rtl="0" fontAlgn="base">
+              <a:spcBef>
+                <a:spcPct val="0"/>
+              </a:spcBef>
+              <a:spcAft>
+                <a:spcPct val="0"/>
+              </a:spcAft>
+              <a:defRPr kern="1200">
+                <a:solidFill>
+                  <a:schemeClr val="tx1"/>
+                </a:solidFill>
+                <a:latin typeface="Arial" charset="0"/>
+                <a:ea typeface="宋体" pitchFamily="2" charset="-122"/>
+                <a:cs typeface="+mn-cs"/>
+              </a:defRPr>
+            </a:lvl3pPr>
+            <a:lvl4pPr marL="1371600" algn="l" rtl="0" fontAlgn="base">
+              <a:spcBef>
+                <a:spcPct val="0"/>
+              </a:spcBef>
+              <a:spcAft>
+                <a:spcPct val="0"/>
+              </a:spcAft>
+              <a:defRPr kern="1200">
+                <a:solidFill>
+                  <a:schemeClr val="tx1"/>
+                </a:solidFill>
+                <a:latin typeface="Arial" charset="0"/>
+                <a:ea typeface="宋体" pitchFamily="2" charset="-122"/>
+                <a:cs typeface="+mn-cs"/>
+              </a:defRPr>
+            </a:lvl4pPr>
+            <a:lvl5pPr marL="1828800" algn="l" rtl="0" fontAlgn="base">
+              <a:spcBef>
+                <a:spcPct val="0"/>
+              </a:spcBef>
+              <a:spcAft>
+                <a:spcPct val="0"/>
+              </a:spcAft>
+              <a:defRPr kern="1200">
+                <a:solidFill>
+                  <a:schemeClr val="tx1"/>
+                </a:solidFill>
+                <a:latin typeface="Arial" charset="0"/>
+                <a:ea typeface="宋体" pitchFamily="2" charset="-122"/>
+                <a:cs typeface="+mn-cs"/>
+              </a:defRPr>
+            </a:lvl5pPr>
+            <a:lvl6pPr marL="2286000" algn="l" defTabSz="914400" rtl="0" eaLnBrk="1" latinLnBrk="0" hangingPunct="1">
+              <a:defRPr kern="1200">
+                <a:solidFill>
+                  <a:schemeClr val="tx1"/>
+                </a:solidFill>
+                <a:latin typeface="Arial" charset="0"/>
+                <a:ea typeface="宋体" pitchFamily="2" charset="-122"/>
+                <a:cs typeface="+mn-cs"/>
+              </a:defRPr>
+            </a:lvl6pPr>
+            <a:lvl7pPr marL="2743200" algn="l" defTabSz="914400" rtl="0" eaLnBrk="1" latinLnBrk="0" hangingPunct="1">
+              <a:defRPr kern="1200">
+                <a:solidFill>
+                  <a:schemeClr val="tx1"/>
+                </a:solidFill>
+                <a:latin typeface="Arial" charset="0"/>
+                <a:ea typeface="宋体" pitchFamily="2" charset="-122"/>
+                <a:cs typeface="+mn-cs"/>
+              </a:defRPr>
+            </a:lvl7pPr>
+            <a:lvl8pPr marL="3200400" algn="l" defTabSz="914400" rtl="0" eaLnBrk="1" latinLnBrk="0" hangingPunct="1">
+              <a:defRPr kern="1200">
+                <a:solidFill>
+                  <a:schemeClr val="tx1"/>
+                </a:solidFill>
+                <a:latin typeface="Arial" charset="0"/>
+                <a:ea typeface="宋体" pitchFamily="2" charset="-122"/>
+                <a:cs typeface="+mn-cs"/>
+              </a:defRPr>
+            </a:lvl8pPr>
+            <a:lvl9pPr marL="3657600" algn="l" defTabSz="914400" rtl="0" eaLnBrk="1" latinLnBrk="0" hangingPunct="1">
+              <a:defRPr kern="1200">
+                <a:solidFill>
+                  <a:schemeClr val="tx1"/>
+                </a:solidFill>
+                <a:latin typeface="Arial" charset="0"/>
+                <a:ea typeface="宋体" pitchFamily="2" charset="-122"/>
+                <a:cs typeface="+mn-cs"/>
+              </a:defRPr>
+            </a:lvl9pPr>
+          </a:lstStyle>
+          <a:p>
+            <a:pPr algn="r">
+              <a:defRPr/>
+            </a:pPr>
+            <a:fld id="{D5EE1D1A-EEC2-4D53-94A7-85D62C853479}" type="slidenum">
+              <a:rPr lang="en-US" altLang="zh-CN" sz="1400" smtClean="0">
+                <a:latin typeface="Calibri" panose="020F0502020204030204" pitchFamily="34" charset="0"/>
+                <a:cs typeface="Calibri" panose="020F0502020204030204" pitchFamily="34" charset="0"/>
+              </a:rPr>
+              <a:pPr algn="r">
+                <a:defRPr/>
+              </a:pPr>
+              <a:t>8</a:t>
+            </a:fld>
+            <a:endParaRPr lang="en-US" altLang="zh-CN" sz="1400" dirty="0">
+              <a:latin typeface="Calibri" panose="020F0502020204030204" pitchFamily="34" charset="0"/>
+              <a:cs typeface="Calibri" panose="020F0502020204030204" pitchFamily="34" charset="0"/>
+            </a:endParaRPr>
+          </a:p>
+        </p:txBody>
+      </p:sp>
+      <p:sp>
+        <p:nvSpPr>
           <p:cNvPr id="10" name="Text Placeholder 1">
             <a:extLst>
               <a:ext uri="{FF2B5EF4-FFF2-40B4-BE49-F238E27FC236}">
@@ -11306,17 +12577,7 @@
                 <a:latin typeface="Calibri" panose="020F0502020204030204" pitchFamily="34" charset="0"/>
                 <a:cs typeface="Calibri" panose="020F0502020204030204" pitchFamily="34" charset="0"/>
               </a:rPr>
-              <a:t>Converge on an option suitable for both TWAMP Light and STAMP</a:t>
-            </a:r>
-          </a:p>
-          <a:p>
-            <a:pPr lvl="1"/>
-            <a:r>
-              <a:rPr lang="en-US" sz="2000" dirty="0">
-                <a:latin typeface="Calibri" panose="020F0502020204030204" pitchFamily="34" charset="0"/>
-                <a:cs typeface="Calibri" panose="020F0502020204030204" pitchFamily="34" charset="0"/>
-              </a:rPr>
-              <a:t>Keep the two message formats compatible as much as possible (excluding trailing padding)</a:t>
+              <a:t>Converge on an option for STAMP message format</a:t>
             </a:r>
           </a:p>
           <a:p>
@@ -11325,21 +12586,7 @@
                 <a:latin typeface="Calibri" panose="020F0502020204030204" pitchFamily="34" charset="0"/>
                 <a:cs typeface="Calibri" panose="020F0502020204030204" pitchFamily="34" charset="0"/>
               </a:rPr>
-              <a:t>Update both drafts </a:t>
-            </a:r>
-            <a:r>
-              <a:rPr lang="en-US">
-                <a:latin typeface="Calibri" panose="020F0502020204030204" pitchFamily="34" charset="0"/>
-                <a:cs typeface="Calibri" panose="020F0502020204030204" pitchFamily="34" charset="0"/>
-              </a:rPr>
-              <a:t>with the agreed </a:t>
-            </a:r>
-            <a:r>
-              <a:rPr lang="en-US" dirty="0">
-                <a:latin typeface="Calibri" panose="020F0502020204030204" pitchFamily="34" charset="0"/>
-                <a:cs typeface="Calibri" panose="020F0502020204030204" pitchFamily="34" charset="0"/>
-              </a:rPr>
-              <a:t>option</a:t>
+              <a:t>Update the respective drafts with the agreed option</a:t>
             </a:r>
           </a:p>
         </p:txBody>
@@ -11360,7 +12607,7 @@
 </p:sld>
 </file>
 
-<file path=ppt/slides/slide8.xml><?xml version="1.0" encoding="utf-8"?>
+<file path=ppt/slides/slide9.xml><?xml version="1.0" encoding="utf-8"?>
 <p:sld xmlns:a="http://schemas.openxmlformats.org/drawingml/2006/main" xmlns:r="http://schemas.openxmlformats.org/officeDocument/2006/relationships" xmlns:p="http://schemas.openxmlformats.org/presentationml/2006/main">
   <p:cSld>
     <p:spTree>
@@ -11627,7 +12874,7 @@
               <a:pPr>
                 <a:defRPr/>
               </a:pPr>
-              <a:t>8</a:t>
+              <a:t>9</a:t>
             </a:fld>
             <a:endParaRPr lang="en-US" altLang="zh-CN" dirty="0"/>
           </a:p>

--- a/ietf-stamp-session-id-rev1.pptx
+++ b/ietf-stamp-session-id-rev1.pptx
@@ -252,7 +252,7 @@
           <a:p>
             <a:fld id="{E8FA3DB5-7722-3F4F-947D-12B203669AD7}" type="datetimeFigureOut">
               <a:rPr lang="en-US" smtClean="0"/>
-              <a:t>3/12/20</a:t>
+              <a:t>3/16/20</a:t>
             </a:fld>
             <a:endParaRPr lang="en-US"/>
           </a:p>
@@ -4661,7 +4661,7 @@
                 <a:ea typeface="Calibri" charset="0"/>
                 <a:cs typeface="Calibri" panose="020F0502020204030204" pitchFamily="34" charset="0"/>
               </a:rPr>
-              <a:t>Updated: March 12, 2020</a:t>
+              <a:t>Updated: March 16, 2020</a:t>
             </a:r>
           </a:p>
         </p:txBody>
@@ -6505,7 +6505,7 @@
         <p:spPr>
           <a:xfrm>
             <a:off x="406707" y="3848341"/>
-            <a:ext cx="2020425" cy="276999"/>
+            <a:ext cx="4708340" cy="276999"/>
           </a:xfrm>
           <a:prstGeom prst="rect">
             <a:avLst/>
@@ -6530,7 +6530,7 @@
                 <a:latin typeface="Calibri" panose="020F0502020204030204" pitchFamily="34" charset="0"/>
                 <a:cs typeface="Calibri" panose="020F0502020204030204" pitchFamily="34" charset="0"/>
               </a:rPr>
-              <a:t>No change for Session ID</a:t>
+              <a:t>No change for Session ID – local implementation behavior at Sender</a:t>
             </a:r>
           </a:p>
         </p:txBody>
@@ -7845,7 +7845,7 @@
         <p:spPr>
           <a:xfrm>
             <a:off x="457200" y="3909896"/>
-            <a:ext cx="6248395" cy="461665"/>
+            <a:ext cx="6248395" cy="646331"/>
           </a:xfrm>
           <a:prstGeom prst="rect">
             <a:avLst/>
@@ -7864,9 +7864,6 @@
             </a:pPr>
             <a:r>
               <a:rPr lang="en-US" sz="1200" dirty="0">
-                <a:solidFill>
-                  <a:schemeClr val="tx2"/>
-                </a:solidFill>
                 <a:latin typeface="Calibri" panose="020F0502020204030204" pitchFamily="34" charset="0"/>
                 <a:cs typeface="Calibri" panose="020F0502020204030204" pitchFamily="34" charset="0"/>
               </a:rPr>
@@ -7875,19 +7872,33 @@
           </a:p>
           <a:p>
             <a:pPr marL="285750" indent="-285750">
-              <a:buFont typeface="Wingdings" pitchFamily="2" charset="2"/>
-              <a:buChar char="ü"/>
+              <a:buFont typeface="Courier New" panose="02070309020205020404" pitchFamily="49" charset="0"/>
+              <a:buChar char="o"/>
             </a:pPr>
             <a:r>
               <a:rPr lang="en-US" sz="1200" dirty="0">
-                <a:solidFill>
-                  <a:schemeClr val="tx2"/>
-                </a:solidFill>
                 <a:latin typeface="Calibri" panose="020F0502020204030204" pitchFamily="34" charset="0"/>
                 <a:cs typeface="Calibri" panose="020F0502020204030204" pitchFamily="34" charset="0"/>
               </a:rPr>
-              <a:t>Requires the reflector to copy it elsewhere in the packet to return it back – not desired</a:t>
-            </a:r>
+              <a:t>Requires the reflector to copy it elsewhere in the packet to return it back - not desired</a:t>
+            </a:r>
+          </a:p>
+          <a:p>
+            <a:pPr marL="285750" indent="-285750">
+              <a:buFont typeface="Courier New" panose="02070309020205020404" pitchFamily="49" charset="0"/>
+              <a:buChar char="o"/>
+            </a:pPr>
+            <a:r>
+              <a:rPr lang="en-CA" sz="1200" dirty="0">
+                <a:latin typeface="Calibri" panose="020F0502020204030204" pitchFamily="34" charset="0"/>
+                <a:cs typeface="Calibri" panose="020F0502020204030204" pitchFamily="34" charset="0"/>
+              </a:rPr>
+              <a:t>It's also difficult to find a good place in authenticated test packets</a:t>
+            </a:r>
+            <a:endParaRPr lang="en-US" sz="1200" dirty="0">
+              <a:latin typeface="Calibri" panose="020F0502020204030204" pitchFamily="34" charset="0"/>
+              <a:cs typeface="Calibri" panose="020F0502020204030204" pitchFamily="34" charset="0"/>
+            </a:endParaRPr>
           </a:p>
         </p:txBody>
       </p:sp>
@@ -9292,8 +9303,8 @@
         </p:nvSpPr>
         <p:spPr>
           <a:xfrm>
-            <a:off x="533400" y="4289102"/>
-            <a:ext cx="1824538" cy="276999"/>
+            <a:off x="533400" y="4204693"/>
+            <a:ext cx="5790560" cy="461665"/>
           </a:xfrm>
           <a:prstGeom prst="rect">
             <a:avLst/>
@@ -9312,14 +9323,28 @@
             </a:pPr>
             <a:r>
               <a:rPr lang="en-US" sz="1200" dirty="0">
-                <a:solidFill>
-                  <a:schemeClr val="tx2"/>
-                </a:solidFill>
                 <a:latin typeface="Calibri" panose="020F0502020204030204" pitchFamily="34" charset="0"/>
                 <a:cs typeface="Calibri" panose="020F0502020204030204" pitchFamily="34" charset="0"/>
               </a:rPr>
               <a:t>Session ID has 32-bits</a:t>
             </a:r>
+          </a:p>
+          <a:p>
+            <a:pPr marL="285750" indent="-285750">
+              <a:buFont typeface="Courier New" panose="02070309020205020404" pitchFamily="49" charset="0"/>
+              <a:buChar char="o"/>
+            </a:pPr>
+            <a:r>
+              <a:rPr lang="en-CA" sz="1200" dirty="0">
+                <a:latin typeface="Calibri" panose="020F0502020204030204" pitchFamily="34" charset="0"/>
+                <a:cs typeface="Calibri" panose="020F0502020204030204" pitchFamily="34" charset="0"/>
+              </a:rPr>
+              <a:t>Session ID is preferably placed in a fixed position of the test packets – TLV not desired</a:t>
+            </a:r>
+            <a:endParaRPr lang="en-US" sz="1200" dirty="0">
+              <a:latin typeface="Calibri" panose="020F0502020204030204" pitchFamily="34" charset="0"/>
+              <a:cs typeface="Calibri" panose="020F0502020204030204" pitchFamily="34" charset="0"/>
+            </a:endParaRPr>
           </a:p>
         </p:txBody>
       </p:sp>
@@ -10718,7 +10743,7 @@
         <p:spPr>
           <a:xfrm>
             <a:off x="334537" y="4089410"/>
-            <a:ext cx="7020323" cy="600164"/>
+            <a:ext cx="7020323" cy="646331"/>
           </a:xfrm>
           <a:prstGeom prst="rect">
             <a:avLst/>
@@ -10736,46 +10761,46 @@
               <a:buChar char="ü"/>
             </a:pPr>
             <a:r>
-              <a:rPr lang="en-US" sz="1100" dirty="0">
+              <a:rPr lang="en-US" sz="1200" dirty="0">
                 <a:solidFill>
                   <a:schemeClr val="tx2"/>
                 </a:solidFill>
                 <a:latin typeface="Calibri" panose="020F0502020204030204" pitchFamily="34" charset="0"/>
                 <a:cs typeface="Calibri" panose="020F0502020204030204" pitchFamily="34" charset="0"/>
               </a:rPr>
-              <a:t>Session ID has only 16-bits</a:t>
-            </a:r>
-          </a:p>
-          <a:p>
-            <a:pPr marL="285750" indent="-285750">
-              <a:buFont typeface="Wingdings" pitchFamily="2" charset="2"/>
-              <a:buChar char="ü"/>
-            </a:pPr>
-            <a:r>
-              <a:rPr lang="en-US" sz="1100" dirty="0">
+              <a:t>Session ID has only 16-bits – is this enough?</a:t>
+            </a:r>
+          </a:p>
+          <a:p>
+            <a:pPr marL="171450" indent="-171450">
+              <a:buFont typeface="Courier New" panose="02070309020205020404" pitchFamily="49" charset="0"/>
+              <a:buChar char="o"/>
+            </a:pPr>
+            <a:r>
+              <a:rPr lang="en-US" sz="1200" dirty="0">
                 <a:solidFill>
                   <a:schemeClr val="tx2"/>
                 </a:solidFill>
                 <a:latin typeface="Calibri" panose="020F0502020204030204" pitchFamily="34" charset="0"/>
                 <a:cs typeface="Calibri" panose="020F0502020204030204" pitchFamily="34" charset="0"/>
               </a:rPr>
-              <a:t>Control code not compatible with existing TWAMP message</a:t>
-            </a:r>
-          </a:p>
-          <a:p>
-            <a:pPr marL="742950" lvl="1" indent="-285750">
-              <a:buFont typeface="Wingdings" pitchFamily="2" charset="2"/>
-              <a:buChar char="ü"/>
-            </a:pPr>
-            <a:r>
-              <a:rPr lang="en-US" sz="1100" dirty="0">
+              <a:t>Control code not compatible with existing TWAMP message – not favorable</a:t>
+            </a:r>
+          </a:p>
+          <a:p>
+            <a:pPr marL="171450" indent="-171450">
+              <a:buFont typeface="Courier New" panose="02070309020205020404" pitchFamily="49" charset="0"/>
+              <a:buChar char="o"/>
+            </a:pPr>
+            <a:r>
+              <a:rPr lang="en-US" sz="1200" dirty="0">
                 <a:solidFill>
                   <a:schemeClr val="tx2"/>
                 </a:solidFill>
                 <a:latin typeface="Calibri" panose="020F0502020204030204" pitchFamily="34" charset="0"/>
                 <a:cs typeface="Calibri" panose="020F0502020204030204" pitchFamily="34" charset="0"/>
               </a:rPr>
-              <a:t>Not favorable</a:t>
+              <a:t>Control code is desired to be at fixed location when reflector implemented in hardware</a:t>
             </a:r>
           </a:p>
         </p:txBody>
@@ -11059,47 +11084,25 @@
             <a:r>
               <a:rPr lang="en-US" sz="750" dirty="0">
                 <a:solidFill>
-                  <a:srgbClr val="0070C0"/>
-                </a:solidFill>
-                <a:latin typeface="Courier" charset="0"/>
-                <a:ea typeface="Courier" charset="0"/>
-                <a:cs typeface="Courier" charset="0"/>
-              </a:rPr>
-              <a:t>|</a:t>
-            </a:r>
-            <a:r>
-              <a:rPr lang="en-US" sz="750" dirty="0">
-                <a:solidFill>
-                  <a:schemeClr val="tx2"/>
-                </a:solidFill>
-                <a:latin typeface="Courier" charset="0"/>
-                <a:ea typeface="Courier" charset="0"/>
-                <a:cs typeface="Courier" charset="0"/>
-              </a:rPr>
-              <a:t>TX Control Code</a:t>
-            </a:r>
-            <a:r>
-              <a:rPr lang="en-US" sz="750" dirty="0">
-                <a:solidFill>
-                  <a:srgbClr val="0070C0"/>
-                </a:solidFill>
-                <a:latin typeface="Courier" charset="0"/>
-                <a:ea typeface="Courier" charset="0"/>
-                <a:cs typeface="Courier" charset="0"/>
-              </a:rPr>
-              <a:t>|                    MBZ                        |</a:t>
-            </a:r>
-          </a:p>
-          <a:p>
-            <a:pPr>
-              <a:spcAft>
-                <a:spcPts val="0"/>
-              </a:spcAft>
-            </a:pPr>
-            <a:r>
-              <a:rPr lang="en-US" sz="750" dirty="0">
-                <a:solidFill>
-                  <a:srgbClr val="0070C0"/>
+                  <a:srgbClr val="7030A0"/>
+                </a:solidFill>
+                <a:latin typeface="Courier" charset="0"/>
+                <a:ea typeface="Courier" charset="0"/>
+                <a:cs typeface="Courier" charset="0"/>
+              </a:rPr>
+              <a:t>|TX Control Code|                    MBZ                        |</a:t>
+            </a:r>
+          </a:p>
+          <a:p>
+            <a:pPr>
+              <a:spcAft>
+                <a:spcPts val="0"/>
+              </a:spcAft>
+            </a:pPr>
+            <a:r>
+              <a:rPr lang="en-US" sz="750" dirty="0">
+                <a:solidFill>
+                  <a:srgbClr val="7030A0"/>
                 </a:solidFill>
                 <a:latin typeface="Courier" charset="0"/>
                 <a:ea typeface="Courier" charset="0"/>
@@ -11107,11 +11110,6 @@
               </a:rPr>
               <a:t>      +-+-+-+-+-+-+-+-+-+-+-+-+-+-+-+-+-+-+-+-+-+-+-+-+-+-+-+-+-+-+-+-+ </a:t>
             </a:r>
-            <a:endParaRPr lang="en-US" sz="750" dirty="0">
-              <a:latin typeface="Courier" charset="0"/>
-              <a:ea typeface="Courier" charset="0"/>
-              <a:cs typeface="Courier" charset="0"/>
-            </a:endParaRPr>
           </a:p>
           <a:p>
             <a:pPr>
@@ -12109,7 +12107,7 @@
         <p:spPr>
           <a:xfrm>
             <a:off x="304800" y="4032512"/>
-            <a:ext cx="7020323" cy="261610"/>
+            <a:ext cx="7020323" cy="461665"/>
           </a:xfrm>
           <a:prstGeom prst="rect">
             <a:avLst/>
@@ -12127,14 +12125,30 @@
               <a:buChar char="ü"/>
             </a:pPr>
             <a:r>
-              <a:rPr lang="en-US" sz="1100" dirty="0">
+              <a:rPr lang="en-US" sz="1200" dirty="0">
                 <a:solidFill>
                   <a:schemeClr val="tx2"/>
                 </a:solidFill>
                 <a:latin typeface="Calibri" panose="020F0502020204030204" pitchFamily="34" charset="0"/>
                 <a:cs typeface="Calibri" panose="020F0502020204030204" pitchFamily="34" charset="0"/>
               </a:rPr>
-              <a:t>Session ID has only 16-bits</a:t>
+              <a:t>Session ID has only 16-bits – is this enough?</a:t>
+            </a:r>
+          </a:p>
+          <a:p>
+            <a:pPr marL="285750" indent="-285750">
+              <a:buFont typeface="Wingdings" pitchFamily="2" charset="2"/>
+              <a:buChar char="ü"/>
+            </a:pPr>
+            <a:r>
+              <a:rPr lang="en-US" sz="1200" dirty="0">
+                <a:solidFill>
+                  <a:schemeClr val="tx2"/>
+                </a:solidFill>
+                <a:latin typeface="Calibri" panose="020F0502020204030204" pitchFamily="34" charset="0"/>
+                <a:cs typeface="Calibri" panose="020F0502020204030204" pitchFamily="34" charset="0"/>
+              </a:rPr>
+              <a:t>Control code is TX and RX direction specific - hence copy of TX to RX not required</a:t>
             </a:r>
           </a:p>
         </p:txBody>

--- a/ietf-stamp-session-id-rev1.pptx
+++ b/ietf-stamp-session-id-rev1.pptx
@@ -1835,7 +1835,7 @@
               </a14:hiddenLine>
             </a:ext>
             <a:ext uri="{FAA26D3D-D897-4be2-8F04-BA451C77F1D7}">
-              <ma14:placeholderFlag xmlns="" xmlns:ma14="http://schemas.microsoft.com/office/mac/drawingml/2011/main" val="1"/>
+              <ma14:placeholderFlag xmlns:ma14="http://schemas.microsoft.com/office/mac/drawingml/2011/main" xmlns="" val="1"/>
             </a:ext>
           </a:extLst>
         </p:spPr>
@@ -6597,7 +6597,7 @@
                 <a:latin typeface="Calibri Light" panose="020F0302020204030204" pitchFamily="34" charset="0"/>
                 <a:cs typeface="Calibri Light" panose="020F0302020204030204" pitchFamily="34" charset="0"/>
               </a:rPr>
-              <a:t>Option 2: Using 24-Bit Session ID Field</a:t>
+              <a:t>Option 2: 24-bit Session ID Field</a:t>
             </a:r>
           </a:p>
         </p:txBody>
@@ -9410,7 +9410,7 @@
                 <a:latin typeface="Calibri Light" panose="020F0302020204030204" pitchFamily="34" charset="0"/>
                 <a:cs typeface="Calibri Light" panose="020F0302020204030204" pitchFamily="34" charset="0"/>
               </a:rPr>
-              <a:t>Option 4: 16-bit Session ID - 1</a:t>
+              <a:t>Option 4: 16-bit Session ID Field - 1</a:t>
             </a:r>
           </a:p>
         </p:txBody>
@@ -10768,7 +10768,7 @@
                 <a:latin typeface="Calibri" panose="020F0502020204030204" pitchFamily="34" charset="0"/>
                 <a:cs typeface="Calibri" panose="020F0502020204030204" pitchFamily="34" charset="0"/>
               </a:rPr>
-              <a:t>Session ID has only 16-bits – is this enough?</a:t>
+              <a:t>Session ID has only 16-bits – is this good enough?</a:t>
             </a:r>
           </a:p>
           <a:p>
@@ -10867,7 +10867,7 @@
                 <a:latin typeface="Calibri Light" panose="020F0302020204030204" pitchFamily="34" charset="0"/>
                 <a:cs typeface="Calibri Light" panose="020F0302020204030204" pitchFamily="34" charset="0"/>
               </a:rPr>
-              <a:t>Option 5: 16-bit Session ID - 2</a:t>
+              <a:t>Option 5: 16-bit Session ID Field - 2</a:t>
             </a:r>
           </a:p>
         </p:txBody>
@@ -12132,7 +12132,7 @@
                 <a:latin typeface="Calibri" panose="020F0502020204030204" pitchFamily="34" charset="0"/>
                 <a:cs typeface="Calibri" panose="020F0502020204030204" pitchFamily="34" charset="0"/>
               </a:rPr>
-              <a:t>Session ID has only 16-bits – is this enough?</a:t>
+              <a:t>Session ID has only 16-bits – is this good enough?</a:t>
             </a:r>
           </a:p>
           <a:p>

--- a/ietf-stamp-session-id-rev1.pptx
+++ b/ietf-stamp-session-id-rev1.pptx
@@ -5,10 +5,10 @@
     <p:sldMasterId id="2147483648" r:id="rId1"/>
   </p:sldMasterIdLst>
   <p:notesMasterIdLst>
-    <p:notesMasterId r:id="rId11"/>
+    <p:notesMasterId r:id="rId12"/>
   </p:notesMasterIdLst>
   <p:handoutMasterIdLst>
-    <p:handoutMasterId r:id="rId12"/>
+    <p:handoutMasterId r:id="rId13"/>
   </p:handoutMasterIdLst>
   <p:sldIdLst>
     <p:sldId id="1665" r:id="rId2"/>
@@ -18,8 +18,9 @@
     <p:sldId id="1661" r:id="rId6"/>
     <p:sldId id="1662" r:id="rId7"/>
     <p:sldId id="1668" r:id="rId8"/>
-    <p:sldId id="1667" r:id="rId9"/>
-    <p:sldId id="1666" r:id="rId10"/>
+    <p:sldId id="1669" r:id="rId9"/>
+    <p:sldId id="1667" r:id="rId10"/>
+    <p:sldId id="1666" r:id="rId11"/>
   </p:sldIdLst>
   <p:sldSz cx="9144000" cy="5143500" type="screen16x9"/>
   <p:notesSz cx="6858000" cy="9144000"/>
@@ -252,7 +253,7 @@
           <a:p>
             <a:fld id="{E8FA3DB5-7722-3F4F-947D-12B203669AD7}" type="datetimeFigureOut">
               <a:rPr lang="en-US" smtClean="0"/>
-              <a:t>3/16/20</a:t>
+              <a:t>3/21/20</a:t>
             </a:fld>
             <a:endParaRPr lang="en-US"/>
           </a:p>
@@ -940,7 +941,7 @@
               <a:pPr>
                 <a:defRPr/>
               </a:pPr>
-              <a:t>9</a:t>
+              <a:t>10</a:t>
             </a:fld>
             <a:endParaRPr lang="en-US" altLang="zh-CN"/>
           </a:p>
@@ -1835,7 +1836,7 @@
               </a14:hiddenLine>
             </a:ext>
             <a:ext uri="{FAA26D3D-D897-4be2-8F04-BA451C77F1D7}">
-              <ma14:placeholderFlag xmlns:ma14="http://schemas.microsoft.com/office/mac/drawingml/2011/main" xmlns="" val="1"/>
+              <ma14:placeholderFlag xmlns="" xmlns:ma14="http://schemas.microsoft.com/office/mac/drawingml/2011/main" val="1"/>
             </a:ext>
           </a:extLst>
         </p:spPr>
@@ -4725,6 +4726,292 @@
 </p:sld>
 </file>
 
+<file path=ppt/slides/slide10.xml><?xml version="1.0" encoding="utf-8"?>
+<p:sld xmlns:a="http://schemas.openxmlformats.org/drawingml/2006/main" xmlns:r="http://schemas.openxmlformats.org/officeDocument/2006/relationships" xmlns:p="http://schemas.openxmlformats.org/presentationml/2006/main">
+  <p:cSld>
+    <p:spTree>
+      <p:nvGrpSpPr>
+        <p:cNvPr id="1" name=""/>
+        <p:cNvGrpSpPr/>
+        <p:nvPr/>
+      </p:nvGrpSpPr>
+      <p:grpSpPr>
+        <a:xfrm>
+          <a:off x="0" y="0"/>
+          <a:ext cx="0" cy="0"/>
+          <a:chOff x="0" y="0"/>
+          <a:chExt cx="0" cy="0"/>
+        </a:xfrm>
+      </p:grpSpPr>
+      <p:sp>
+        <p:nvSpPr>
+          <p:cNvPr id="4" name="Footer Placeholder 3"/>
+          <p:cNvSpPr>
+            <a:spLocks noGrp="1"/>
+          </p:cNvSpPr>
+          <p:nvPr>
+            <p:ph type="ftr" sz="quarter" idx="11"/>
+          </p:nvPr>
+        </p:nvSpPr>
+        <p:spPr>
+          <a:xfrm>
+            <a:off x="3048000" y="4786312"/>
+            <a:ext cx="2895600" cy="357188"/>
+          </a:xfrm>
+        </p:spPr>
+        <p:txBody>
+          <a:bodyPr/>
+          <a:lstStyle/>
+          <a:p>
+            <a:pPr>
+              <a:defRPr/>
+            </a:pPr>
+            <a:r>
+              <a:rPr lang="en-US" altLang="zh-CN" dirty="0"/>
+              <a:t>107</a:t>
+            </a:r>
+            <a:r>
+              <a:rPr lang="en-US" altLang="zh-CN" baseline="30000" dirty="0"/>
+              <a:t>th</a:t>
+            </a:r>
+            <a:r>
+              <a:rPr lang="en-US" altLang="zh-CN" dirty="0"/>
+              <a:t> IETF @ Vancouver</a:t>
+            </a:r>
+          </a:p>
+        </p:txBody>
+      </p:sp>
+      <p:sp>
+        <p:nvSpPr>
+          <p:cNvPr id="5" name="Rectangle 2"/>
+          <p:cNvSpPr txBox="1">
+            <a:spLocks noChangeArrowheads="1"/>
+          </p:cNvSpPr>
+          <p:nvPr/>
+        </p:nvSpPr>
+        <p:spPr bwMode="auto">
+          <a:xfrm>
+            <a:off x="685800" y="1657350"/>
+            <a:ext cx="7772400" cy="1102519"/>
+          </a:xfrm>
+          <a:prstGeom prst="rect">
+            <a:avLst/>
+          </a:prstGeom>
+          <a:noFill/>
+          <a:ln w="9525">
+            <a:noFill/>
+            <a:miter lim="800000"/>
+            <a:headEnd/>
+            <a:tailEnd/>
+          </a:ln>
+          <a:effectLst/>
+        </p:spPr>
+        <p:txBody>
+          <a:bodyPr vert="horz" wrap="square" lIns="91440" tIns="45720" rIns="91440" bIns="45720" numCol="1" anchor="ctr" anchorCtr="0" compatLnSpc="1">
+            <a:prstTxWarp prst="textNoShape">
+              <a:avLst/>
+            </a:prstTxWarp>
+          </a:bodyPr>
+          <a:lstStyle>
+            <a:lvl1pPr algn="ctr" rtl="0" eaLnBrk="0" fontAlgn="base" hangingPunct="0">
+              <a:spcBef>
+                <a:spcPct val="0"/>
+              </a:spcBef>
+              <a:spcAft>
+                <a:spcPct val="0"/>
+              </a:spcAft>
+              <a:defRPr sz="4400">
+                <a:solidFill>
+                  <a:schemeClr val="tx2"/>
+                </a:solidFill>
+                <a:latin typeface="+mj-lt"/>
+                <a:ea typeface="+mj-ea"/>
+                <a:cs typeface="+mj-cs"/>
+              </a:defRPr>
+            </a:lvl1pPr>
+            <a:lvl2pPr algn="ctr" rtl="0" eaLnBrk="0" fontAlgn="base" hangingPunct="0">
+              <a:spcBef>
+                <a:spcPct val="0"/>
+              </a:spcBef>
+              <a:spcAft>
+                <a:spcPct val="0"/>
+              </a:spcAft>
+              <a:defRPr sz="4400">
+                <a:solidFill>
+                  <a:schemeClr val="tx2"/>
+                </a:solidFill>
+                <a:latin typeface="Arial" charset="0"/>
+                <a:ea typeface="宋体" pitchFamily="2" charset="-122"/>
+              </a:defRPr>
+            </a:lvl2pPr>
+            <a:lvl3pPr algn="ctr" rtl="0" eaLnBrk="0" fontAlgn="base" hangingPunct="0">
+              <a:spcBef>
+                <a:spcPct val="0"/>
+              </a:spcBef>
+              <a:spcAft>
+                <a:spcPct val="0"/>
+              </a:spcAft>
+              <a:defRPr sz="4400">
+                <a:solidFill>
+                  <a:schemeClr val="tx2"/>
+                </a:solidFill>
+                <a:latin typeface="Arial" charset="0"/>
+                <a:ea typeface="宋体" pitchFamily="2" charset="-122"/>
+              </a:defRPr>
+            </a:lvl3pPr>
+            <a:lvl4pPr algn="ctr" rtl="0" eaLnBrk="0" fontAlgn="base" hangingPunct="0">
+              <a:spcBef>
+                <a:spcPct val="0"/>
+              </a:spcBef>
+              <a:spcAft>
+                <a:spcPct val="0"/>
+              </a:spcAft>
+              <a:defRPr sz="4400">
+                <a:solidFill>
+                  <a:schemeClr val="tx2"/>
+                </a:solidFill>
+                <a:latin typeface="Arial" charset="0"/>
+                <a:ea typeface="宋体" pitchFamily="2" charset="-122"/>
+              </a:defRPr>
+            </a:lvl4pPr>
+            <a:lvl5pPr algn="ctr" rtl="0" eaLnBrk="0" fontAlgn="base" hangingPunct="0">
+              <a:spcBef>
+                <a:spcPct val="0"/>
+              </a:spcBef>
+              <a:spcAft>
+                <a:spcPct val="0"/>
+              </a:spcAft>
+              <a:defRPr sz="4400">
+                <a:solidFill>
+                  <a:schemeClr val="tx2"/>
+                </a:solidFill>
+                <a:latin typeface="Arial" charset="0"/>
+                <a:ea typeface="宋体" pitchFamily="2" charset="-122"/>
+              </a:defRPr>
+            </a:lvl5pPr>
+            <a:lvl6pPr marL="457200" algn="ctr" rtl="0" fontAlgn="base">
+              <a:spcBef>
+                <a:spcPct val="0"/>
+              </a:spcBef>
+              <a:spcAft>
+                <a:spcPct val="0"/>
+              </a:spcAft>
+              <a:defRPr sz="4400">
+                <a:solidFill>
+                  <a:schemeClr val="tx2"/>
+                </a:solidFill>
+                <a:latin typeface="Arial" charset="0"/>
+                <a:ea typeface="宋体" pitchFamily="2" charset="-122"/>
+              </a:defRPr>
+            </a:lvl6pPr>
+            <a:lvl7pPr marL="914400" algn="ctr" rtl="0" fontAlgn="base">
+              <a:spcBef>
+                <a:spcPct val="0"/>
+              </a:spcBef>
+              <a:spcAft>
+                <a:spcPct val="0"/>
+              </a:spcAft>
+              <a:defRPr sz="4400">
+                <a:solidFill>
+                  <a:schemeClr val="tx2"/>
+                </a:solidFill>
+                <a:latin typeface="Arial" charset="0"/>
+                <a:ea typeface="宋体" pitchFamily="2" charset="-122"/>
+              </a:defRPr>
+            </a:lvl7pPr>
+            <a:lvl8pPr marL="1371600" algn="ctr" rtl="0" fontAlgn="base">
+              <a:spcBef>
+                <a:spcPct val="0"/>
+              </a:spcBef>
+              <a:spcAft>
+                <a:spcPct val="0"/>
+              </a:spcAft>
+              <a:defRPr sz="4400">
+                <a:solidFill>
+                  <a:schemeClr val="tx2"/>
+                </a:solidFill>
+                <a:latin typeface="Arial" charset="0"/>
+                <a:ea typeface="宋体" pitchFamily="2" charset="-122"/>
+              </a:defRPr>
+            </a:lvl8pPr>
+            <a:lvl9pPr marL="1828800" algn="ctr" rtl="0" fontAlgn="base">
+              <a:spcBef>
+                <a:spcPct val="0"/>
+              </a:spcBef>
+              <a:spcAft>
+                <a:spcPct val="0"/>
+              </a:spcAft>
+              <a:defRPr sz="4400">
+                <a:solidFill>
+                  <a:schemeClr val="tx2"/>
+                </a:solidFill>
+                <a:latin typeface="Arial" charset="0"/>
+                <a:ea typeface="宋体" pitchFamily="2" charset="-122"/>
+              </a:defRPr>
+            </a:lvl9pPr>
+          </a:lstStyle>
+          <a:p>
+            <a:pPr eaLnBrk="1" hangingPunct="1">
+              <a:defRPr/>
+            </a:pPr>
+            <a:r>
+              <a:rPr lang="en-US" altLang="zh-CN" sz="4000" kern="0" dirty="0">
+                <a:effectLst>
+                  <a:outerShdw blurRad="38100" dist="38100" dir="2700000" algn="tl">
+                    <a:srgbClr val="C0C0C0"/>
+                  </a:outerShdw>
+                </a:effectLst>
+                <a:latin typeface="Calibri" charset="0"/>
+                <a:ea typeface="Calibri" charset="0"/>
+                <a:cs typeface="Calibri" charset="0"/>
+              </a:rPr>
+              <a:t>Thank you</a:t>
+            </a:r>
+          </a:p>
+        </p:txBody>
+      </p:sp>
+      <p:sp>
+        <p:nvSpPr>
+          <p:cNvPr id="2" name="Slide Number Placeholder 1"/>
+          <p:cNvSpPr>
+            <a:spLocks noGrp="1"/>
+          </p:cNvSpPr>
+          <p:nvPr>
+            <p:ph type="sldNum" sz="quarter" idx="12"/>
+          </p:nvPr>
+        </p:nvSpPr>
+        <p:spPr/>
+        <p:txBody>
+          <a:bodyPr/>
+          <a:lstStyle/>
+          <a:p>
+            <a:pPr>
+              <a:defRPr/>
+            </a:pPr>
+            <a:fld id="{BD6E0F59-1DD8-40FC-9C92-B6295CBA6CCA}" type="slidenum">
+              <a:rPr lang="en-US" altLang="zh-CN" smtClean="0"/>
+              <a:pPr>
+                <a:defRPr/>
+              </a:pPr>
+              <a:t>10</a:t>
+            </a:fld>
+            <a:endParaRPr lang="en-US" altLang="zh-CN" dirty="0"/>
+          </a:p>
+        </p:txBody>
+      </p:sp>
+    </p:spTree>
+    <p:extLst>
+      <p:ext uri="{BB962C8B-B14F-4D97-AF65-F5344CB8AC3E}">
+        <p14:creationId xmlns:p14="http://schemas.microsoft.com/office/powerpoint/2010/main" val="487469376"/>
+      </p:ext>
+    </p:extLst>
+  </p:cSld>
+  <p:clrMapOvr>
+    <a:masterClrMapping/>
+  </p:clrMapOvr>
+</p:sld>
+</file>
+
 <file path=ppt/slides/slide2.xml><?xml version="1.0" encoding="utf-8"?>
 <p:sld xmlns:a="http://schemas.openxmlformats.org/drawingml/2006/main" xmlns:r="http://schemas.openxmlformats.org/officeDocument/2006/relationships" xmlns:p="http://schemas.openxmlformats.org/presentationml/2006/main">
   <p:cSld>
@@ -12198,8 +12485,8 @@
         </p:nvSpPr>
         <p:spPr>
           <a:xfrm>
-            <a:off x="641864" y="143650"/>
-            <a:ext cx="7514772" cy="706080"/>
+            <a:off x="304800" y="-39330"/>
+            <a:ext cx="8505372" cy="706080"/>
           </a:xfrm>
         </p:spPr>
         <p:txBody>
@@ -12208,14 +12495,891 @@
           <a:p>
             <a:pPr algn="l"/>
             <a:r>
-              <a:rPr lang="en-US" sz="4000" dirty="0">
+              <a:rPr lang="en-US" sz="2200" dirty="0">
                 <a:solidFill>
                   <a:srgbClr val="0070C0"/>
                 </a:solidFill>
                 <a:latin typeface="Calibri Light" panose="020F0302020204030204" pitchFamily="34" charset="0"/>
                 <a:cs typeface="Calibri Light" panose="020F0302020204030204" pitchFamily="34" charset="0"/>
               </a:rPr>
-              <a:t>Next Steps</a:t>
+              <a:t>Option 6: 16-bit Session ID Field - 3</a:t>
+            </a:r>
+          </a:p>
+        </p:txBody>
+      </p:sp>
+      <p:sp>
+        <p:nvSpPr>
+          <p:cNvPr id="5" name="Rectangle 4"/>
+          <p:cNvSpPr/>
+          <p:nvPr/>
+        </p:nvSpPr>
+        <p:spPr>
+          <a:xfrm>
+            <a:off x="261272" y="742951"/>
+            <a:ext cx="4310728" cy="2862322"/>
+          </a:xfrm>
+          <a:prstGeom prst="rect">
+            <a:avLst/>
+          </a:prstGeom>
+          <a:noFill/>
+          <a:ln>
+            <a:solidFill>
+              <a:srgbClr val="002060"/>
+            </a:solidFill>
+          </a:ln>
+        </p:spPr>
+        <p:txBody>
+          <a:bodyPr wrap="square">
+            <a:spAutoFit/>
+          </a:bodyPr>
+          <a:lstStyle/>
+          <a:p>
+            <a:pPr>
+              <a:spcAft>
+                <a:spcPts val="0"/>
+              </a:spcAft>
+            </a:pPr>
+            <a:r>
+              <a:rPr lang="en-US" sz="750" dirty="0">
+                <a:latin typeface="Courier" charset="0"/>
+                <a:ea typeface="Courier" charset="0"/>
+                <a:cs typeface="Courier" charset="0"/>
+              </a:rPr>
+              <a:t>       0                   1                   2                   3</a:t>
+            </a:r>
+          </a:p>
+          <a:p>
+            <a:pPr>
+              <a:spcAft>
+                <a:spcPts val="0"/>
+              </a:spcAft>
+            </a:pPr>
+            <a:r>
+              <a:rPr lang="en-US" sz="750" dirty="0">
+                <a:latin typeface="Courier" charset="0"/>
+                <a:ea typeface="Courier" charset="0"/>
+                <a:cs typeface="Courier" charset="0"/>
+              </a:rPr>
+              <a:t>       0 1 2 3 4 5 6 7 8 9 0 1 2 3 4 5 6 7 8 9 0 1 2 3 4 5 6 7 8 9 0 1</a:t>
+            </a:r>
+          </a:p>
+          <a:p>
+            <a:pPr>
+              <a:spcAft>
+                <a:spcPts val="0"/>
+              </a:spcAft>
+            </a:pPr>
+            <a:r>
+              <a:rPr lang="en-US" sz="750" dirty="0">
+                <a:latin typeface="Courier" charset="0"/>
+                <a:ea typeface="Courier" charset="0"/>
+                <a:cs typeface="Courier" charset="0"/>
+              </a:rPr>
+              <a:t>      +-+-+-+-+-+-+-+-+-+-+-+-+-+-+-+-+-+-+-+-+-+-+-+-+-+-+-+-+-+-+-+-+</a:t>
+            </a:r>
+          </a:p>
+          <a:p>
+            <a:pPr>
+              <a:spcAft>
+                <a:spcPts val="0"/>
+              </a:spcAft>
+            </a:pPr>
+            <a:r>
+              <a:rPr lang="en-US" sz="750" dirty="0">
+                <a:latin typeface="Courier" charset="0"/>
+                <a:ea typeface="Courier" charset="0"/>
+                <a:cs typeface="Courier" charset="0"/>
+              </a:rPr>
+              <a:t>      |                        Sequence Number                        |</a:t>
+            </a:r>
+          </a:p>
+          <a:p>
+            <a:pPr>
+              <a:spcAft>
+                <a:spcPts val="0"/>
+              </a:spcAft>
+            </a:pPr>
+            <a:r>
+              <a:rPr lang="en-US" sz="750" dirty="0">
+                <a:latin typeface="Courier" charset="0"/>
+                <a:ea typeface="Courier" charset="0"/>
+                <a:cs typeface="Courier" charset="0"/>
+              </a:rPr>
+              <a:t>      +-+-+-+-+-+-+-+-+-+-+-+-+-+-+-+-+-+-+-+-+-+-+-+-+-+-+-+-+-+-+-+-+</a:t>
+            </a:r>
+          </a:p>
+          <a:p>
+            <a:pPr>
+              <a:spcAft>
+                <a:spcPts val="0"/>
+              </a:spcAft>
+            </a:pPr>
+            <a:r>
+              <a:rPr lang="en-US" sz="750" dirty="0">
+                <a:latin typeface="Courier" charset="0"/>
+                <a:ea typeface="Courier" charset="0"/>
+                <a:cs typeface="Courier" charset="0"/>
+              </a:rPr>
+              <a:t>      |                          Timestamp                            |</a:t>
+            </a:r>
+          </a:p>
+          <a:p>
+            <a:pPr>
+              <a:spcAft>
+                <a:spcPts val="0"/>
+              </a:spcAft>
+            </a:pPr>
+            <a:r>
+              <a:rPr lang="en-US" sz="750" dirty="0">
+                <a:latin typeface="Courier" charset="0"/>
+                <a:ea typeface="Courier" charset="0"/>
+                <a:cs typeface="Courier" charset="0"/>
+              </a:rPr>
+              <a:t>      |                                                               |</a:t>
+            </a:r>
+          </a:p>
+          <a:p>
+            <a:pPr>
+              <a:spcAft>
+                <a:spcPts val="0"/>
+              </a:spcAft>
+            </a:pPr>
+            <a:r>
+              <a:rPr lang="en-US" sz="750" dirty="0">
+                <a:latin typeface="Courier" charset="0"/>
+                <a:ea typeface="Courier" charset="0"/>
+                <a:cs typeface="Courier" charset="0"/>
+              </a:rPr>
+              <a:t>      +-+-+-+-+-+-+-+-+-+-+-+-+-+-+-+-+-+-+-+-+-+-+-+-+-+-+-+-+-+-+-+-+</a:t>
+            </a:r>
+          </a:p>
+          <a:p>
+            <a:pPr>
+              <a:spcAft>
+                <a:spcPts val="0"/>
+              </a:spcAft>
+            </a:pPr>
+            <a:r>
+              <a:rPr lang="en-US" sz="750" dirty="0">
+                <a:latin typeface="Courier" charset="0"/>
+                <a:ea typeface="Courier" charset="0"/>
+                <a:cs typeface="Courier" charset="0"/>
+              </a:rPr>
+              <a:t>      |         Error Estimate        |    </a:t>
+            </a:r>
+            <a:r>
+              <a:rPr lang="en-US" sz="750" dirty="0">
+                <a:solidFill>
+                  <a:srgbClr val="0070C0"/>
+                </a:solidFill>
+                <a:latin typeface="Courier" charset="0"/>
+                <a:ea typeface="Courier" charset="0"/>
+                <a:cs typeface="Courier" charset="0"/>
+              </a:rPr>
+              <a:t>Session ID                 </a:t>
+            </a:r>
+            <a:r>
+              <a:rPr lang="en-US" sz="750" dirty="0">
+                <a:latin typeface="Courier" charset="0"/>
+                <a:ea typeface="Courier" charset="0"/>
+                <a:cs typeface="Courier" charset="0"/>
+              </a:rPr>
+              <a:t>|</a:t>
+            </a:r>
+          </a:p>
+          <a:p>
+            <a:pPr>
+              <a:spcAft>
+                <a:spcPts val="0"/>
+              </a:spcAft>
+            </a:pPr>
+            <a:r>
+              <a:rPr lang="en-US" sz="750" dirty="0">
+                <a:latin typeface="Courier" charset="0"/>
+                <a:ea typeface="Courier" charset="0"/>
+                <a:cs typeface="Courier" charset="0"/>
+              </a:rPr>
+              <a:t>      +-+-+-+-+-+-+-+-+-+-+-+-+-+-+-+-+-+-+-+-+-+-+-+-+-+-+-+-+-+-+-+-+</a:t>
+            </a:r>
+          </a:p>
+          <a:p>
+            <a:pPr>
+              <a:spcAft>
+                <a:spcPts val="0"/>
+              </a:spcAft>
+            </a:pPr>
+            <a:r>
+              <a:rPr lang="en-US" sz="750" dirty="0">
+                <a:latin typeface="Courier" charset="0"/>
+                <a:ea typeface="Courier" charset="0"/>
+                <a:cs typeface="Courier" charset="0"/>
+              </a:rPr>
+              <a:t>      </a:t>
+            </a:r>
+            <a:r>
+              <a:rPr lang="en-US" sz="750" dirty="0">
+                <a:solidFill>
+                  <a:srgbClr val="7030A0"/>
+                </a:solidFill>
+                <a:latin typeface="Courier" charset="0"/>
+                <a:ea typeface="Courier" charset="0"/>
+                <a:cs typeface="Courier" charset="0"/>
+              </a:rPr>
+              <a:t>|         MBZ                                   |TX Control Code|</a:t>
+            </a:r>
+          </a:p>
+          <a:p>
+            <a:pPr>
+              <a:spcAft>
+                <a:spcPts val="0"/>
+              </a:spcAft>
+            </a:pPr>
+            <a:r>
+              <a:rPr lang="en-US" sz="750" dirty="0">
+                <a:solidFill>
+                  <a:srgbClr val="7030A0"/>
+                </a:solidFill>
+                <a:latin typeface="Courier" charset="0"/>
+                <a:ea typeface="Courier" charset="0"/>
+                <a:cs typeface="Courier" charset="0"/>
+              </a:rPr>
+              <a:t>      +-+-+-+-+-+-+-+-+-+-+-+-+-+-+-+-+-+-+-+-+-+-+-+-+-+-+-+-+-+-+-+-+ </a:t>
+            </a:r>
+          </a:p>
+          <a:p>
+            <a:pPr>
+              <a:spcAft>
+                <a:spcPts val="0"/>
+              </a:spcAft>
+            </a:pPr>
+            <a:r>
+              <a:rPr lang="en-US" sz="750" dirty="0">
+                <a:latin typeface="Courier" charset="0"/>
+                <a:ea typeface="Courier" charset="0"/>
+                <a:cs typeface="Courier" charset="0"/>
+              </a:rPr>
+              <a:t>      |                                                               |</a:t>
+            </a:r>
+          </a:p>
+          <a:p>
+            <a:pPr>
+              <a:spcAft>
+                <a:spcPts val="0"/>
+              </a:spcAft>
+            </a:pPr>
+            <a:r>
+              <a:rPr lang="en-US" sz="750" dirty="0">
+                <a:latin typeface="Courier" charset="0"/>
+                <a:ea typeface="Courier" charset="0"/>
+                <a:cs typeface="Courier" charset="0"/>
+              </a:rPr>
+              <a:t>      |                         MBZ (24 octets)                       |</a:t>
+            </a:r>
+          </a:p>
+          <a:p>
+            <a:pPr>
+              <a:spcAft>
+                <a:spcPts val="0"/>
+              </a:spcAft>
+            </a:pPr>
+            <a:r>
+              <a:rPr lang="en-US" sz="750" dirty="0">
+                <a:latin typeface="Courier" charset="0"/>
+                <a:ea typeface="Courier" charset="0"/>
+                <a:cs typeface="Courier" charset="0"/>
+              </a:rPr>
+              <a:t>      +                                                               +</a:t>
+            </a:r>
+          </a:p>
+          <a:p>
+            <a:pPr>
+              <a:spcAft>
+                <a:spcPts val="0"/>
+              </a:spcAft>
+            </a:pPr>
+            <a:r>
+              <a:rPr lang="en-US" sz="750" dirty="0">
+                <a:latin typeface="Courier" charset="0"/>
+                <a:ea typeface="Courier" charset="0"/>
+                <a:cs typeface="Courier" charset="0"/>
+              </a:rPr>
+              <a:t>      |                                                               |</a:t>
+            </a:r>
+          </a:p>
+          <a:p>
+            <a:pPr>
+              <a:spcAft>
+                <a:spcPts val="0"/>
+              </a:spcAft>
+            </a:pPr>
+            <a:r>
+              <a:rPr lang="en-US" sz="750" dirty="0">
+                <a:latin typeface="Courier" charset="0"/>
+                <a:ea typeface="Courier" charset="0"/>
+                <a:cs typeface="Courier" charset="0"/>
+              </a:rPr>
+              <a:t>      |                                                               |</a:t>
+            </a:r>
+          </a:p>
+          <a:p>
+            <a:pPr>
+              <a:spcAft>
+                <a:spcPts val="0"/>
+              </a:spcAft>
+            </a:pPr>
+            <a:r>
+              <a:rPr lang="en-US" sz="750" dirty="0">
+                <a:latin typeface="Courier" charset="0"/>
+                <a:ea typeface="Courier" charset="0"/>
+                <a:cs typeface="Courier" charset="0"/>
+              </a:rPr>
+              <a:t>      +                                                               +</a:t>
+            </a:r>
+          </a:p>
+          <a:p>
+            <a:pPr>
+              <a:spcAft>
+                <a:spcPts val="0"/>
+              </a:spcAft>
+            </a:pPr>
+            <a:r>
+              <a:rPr lang="en-US" sz="750" dirty="0">
+                <a:latin typeface="Courier" charset="0"/>
+                <a:ea typeface="Courier" charset="0"/>
+                <a:cs typeface="Courier" charset="0"/>
+              </a:rPr>
+              <a:t>      |                                                               |</a:t>
+            </a:r>
+          </a:p>
+          <a:p>
+            <a:pPr>
+              <a:spcAft>
+                <a:spcPts val="0"/>
+              </a:spcAft>
+            </a:pPr>
+            <a:r>
+              <a:rPr lang="en-US" sz="750" dirty="0">
+                <a:latin typeface="Courier" charset="0"/>
+                <a:ea typeface="Courier" charset="0"/>
+                <a:cs typeface="Courier" charset="0"/>
+              </a:rPr>
+              <a:t>      +                                                               +</a:t>
+            </a:r>
+          </a:p>
+          <a:p>
+            <a:pPr>
+              <a:spcAft>
+                <a:spcPts val="0"/>
+              </a:spcAft>
+            </a:pPr>
+            <a:r>
+              <a:rPr lang="en-US" sz="750" dirty="0">
+                <a:latin typeface="Courier" charset="0"/>
+                <a:ea typeface="Courier" charset="0"/>
+                <a:cs typeface="Courier" charset="0"/>
+              </a:rPr>
+              <a:t>      |                                                               |</a:t>
+            </a:r>
+          </a:p>
+          <a:p>
+            <a:pPr>
+              <a:spcAft>
+                <a:spcPts val="0"/>
+              </a:spcAft>
+            </a:pPr>
+            <a:r>
+              <a:rPr lang="en-US" sz="750" dirty="0">
+                <a:latin typeface="Courier" charset="0"/>
+                <a:ea typeface="Courier" charset="0"/>
+                <a:cs typeface="Courier" charset="0"/>
+              </a:rPr>
+              <a:t>      +-+-+-+-+-+-+-+-+-+-+-+-+-+-+-+-+-+-+-+-+-+-+-+-+-+-+-+-+-+-+-+-+</a:t>
+            </a:r>
+          </a:p>
+          <a:p>
+            <a:pPr>
+              <a:spcAft>
+                <a:spcPts val="0"/>
+              </a:spcAft>
+            </a:pPr>
+            <a:endParaRPr lang="en-US" sz="750" dirty="0">
+              <a:latin typeface="Courier" charset="0"/>
+              <a:ea typeface="Courier" charset="0"/>
+              <a:cs typeface="Courier" charset="0"/>
+            </a:endParaRPr>
+          </a:p>
+          <a:p>
+            <a:pPr>
+              <a:spcAft>
+                <a:spcPts val="0"/>
+              </a:spcAft>
+            </a:pPr>
+            <a:r>
+              <a:rPr lang="en-US" sz="750" dirty="0">
+                <a:latin typeface="Courier" charset="0"/>
+                <a:ea typeface="Courier" charset="0"/>
+                <a:cs typeface="Courier" charset="0"/>
+              </a:rPr>
+              <a:t>	    Figure: Sender Message Format in STAMP</a:t>
+            </a:r>
+          </a:p>
+        </p:txBody>
+      </p:sp>
+      <p:sp>
+        <p:nvSpPr>
+          <p:cNvPr id="14" name="Rectangle 13">
+            <a:extLst>
+              <a:ext uri="{FF2B5EF4-FFF2-40B4-BE49-F238E27FC236}">
+                <a16:creationId xmlns:a16="http://schemas.microsoft.com/office/drawing/2014/main" id="{5F9D9D1B-92A3-C64D-87B1-9B0B9C9E3A13}"/>
+              </a:ext>
+            </a:extLst>
+          </p:cNvPr>
+          <p:cNvSpPr/>
+          <p:nvPr/>
+        </p:nvSpPr>
+        <p:spPr>
+          <a:xfrm>
+            <a:off x="4572000" y="742950"/>
+            <a:ext cx="4368799" cy="2862322"/>
+          </a:xfrm>
+          <a:prstGeom prst="rect">
+            <a:avLst/>
+          </a:prstGeom>
+          <a:noFill/>
+          <a:ln>
+            <a:solidFill>
+              <a:srgbClr val="002060"/>
+            </a:solidFill>
+          </a:ln>
+        </p:spPr>
+        <p:txBody>
+          <a:bodyPr wrap="square">
+            <a:spAutoFit/>
+          </a:bodyPr>
+          <a:lstStyle/>
+          <a:p>
+            <a:pPr>
+              <a:spcAft>
+                <a:spcPts val="0"/>
+              </a:spcAft>
+            </a:pPr>
+            <a:r>
+              <a:rPr lang="en-US" sz="750" dirty="0">
+                <a:latin typeface="Courier" charset="0"/>
+                <a:ea typeface="Courier" charset="0"/>
+                <a:cs typeface="Courier" charset="0"/>
+              </a:rPr>
+              <a:t>     0                   1                   2                   3</a:t>
+            </a:r>
+          </a:p>
+          <a:p>
+            <a:pPr>
+              <a:spcAft>
+                <a:spcPts val="0"/>
+              </a:spcAft>
+            </a:pPr>
+            <a:r>
+              <a:rPr lang="en-US" sz="750" dirty="0">
+                <a:latin typeface="Courier" charset="0"/>
+                <a:ea typeface="Courier" charset="0"/>
+                <a:cs typeface="Courier" charset="0"/>
+              </a:rPr>
+              <a:t>     0 1 2 3 4 5 6 7 8 9 0 1 2 3 4 5 6 7 8 9 0 1 2 3 4 5 6 7 8 9 0 1</a:t>
+            </a:r>
+          </a:p>
+          <a:p>
+            <a:pPr>
+              <a:spcAft>
+                <a:spcPts val="0"/>
+              </a:spcAft>
+            </a:pPr>
+            <a:r>
+              <a:rPr lang="en-US" sz="750" dirty="0">
+                <a:latin typeface="Courier" charset="0"/>
+                <a:ea typeface="Courier" charset="0"/>
+                <a:cs typeface="Courier" charset="0"/>
+              </a:rPr>
+              <a:t>    +-+-+-+-+-+-+-+-+-+-+-+-+-+-+-+-+-+-+-+-+-+-+-+-+-+-+-+-+-+-+-+-+</a:t>
+            </a:r>
+          </a:p>
+          <a:p>
+            <a:pPr>
+              <a:spcAft>
+                <a:spcPts val="0"/>
+              </a:spcAft>
+            </a:pPr>
+            <a:r>
+              <a:rPr lang="en-US" sz="750" dirty="0">
+                <a:latin typeface="Courier" charset="0"/>
+                <a:ea typeface="Courier" charset="0"/>
+                <a:cs typeface="Courier" charset="0"/>
+              </a:rPr>
+              <a:t>    |                        Sequence Number                        |</a:t>
+            </a:r>
+          </a:p>
+          <a:p>
+            <a:pPr>
+              <a:spcAft>
+                <a:spcPts val="0"/>
+              </a:spcAft>
+            </a:pPr>
+            <a:r>
+              <a:rPr lang="en-US" sz="750" dirty="0">
+                <a:latin typeface="Courier" charset="0"/>
+                <a:ea typeface="Courier" charset="0"/>
+                <a:cs typeface="Courier" charset="0"/>
+              </a:rPr>
+              <a:t>    +-+-+-+-+-+-+-+-+-+-+-+-+-+-+-+-+-+-+-+-+-+-+-+-+-+-+-+-+-+-+-+-+</a:t>
+            </a:r>
+          </a:p>
+          <a:p>
+            <a:pPr>
+              <a:spcAft>
+                <a:spcPts val="0"/>
+              </a:spcAft>
+            </a:pPr>
+            <a:r>
+              <a:rPr lang="en-US" sz="750" dirty="0">
+                <a:latin typeface="Courier" charset="0"/>
+                <a:ea typeface="Courier" charset="0"/>
+                <a:cs typeface="Courier" charset="0"/>
+              </a:rPr>
+              <a:t>    |                          Timestamp                            |</a:t>
+            </a:r>
+          </a:p>
+          <a:p>
+            <a:pPr>
+              <a:spcAft>
+                <a:spcPts val="0"/>
+              </a:spcAft>
+            </a:pPr>
+            <a:r>
+              <a:rPr lang="en-US" sz="750" dirty="0">
+                <a:latin typeface="Courier" charset="0"/>
+                <a:ea typeface="Courier" charset="0"/>
+                <a:cs typeface="Courier" charset="0"/>
+              </a:rPr>
+              <a:t>    |                                                               |</a:t>
+            </a:r>
+          </a:p>
+          <a:p>
+            <a:pPr>
+              <a:spcAft>
+                <a:spcPts val="0"/>
+              </a:spcAft>
+            </a:pPr>
+            <a:r>
+              <a:rPr lang="en-US" sz="750" dirty="0">
+                <a:latin typeface="Courier" charset="0"/>
+                <a:ea typeface="Courier" charset="0"/>
+                <a:cs typeface="Courier" charset="0"/>
+              </a:rPr>
+              <a:t>    +-+-+-+-+-+-+-+-+-+-+-+-+-+-+-+-+-+-+-+-+-+-+-+-+-+-+-+-+-+-+-+-+</a:t>
+            </a:r>
+          </a:p>
+          <a:p>
+            <a:pPr>
+              <a:spcAft>
+                <a:spcPts val="0"/>
+              </a:spcAft>
+            </a:pPr>
+            <a:r>
+              <a:rPr lang="en-US" sz="750" dirty="0">
+                <a:latin typeface="Courier" charset="0"/>
+                <a:ea typeface="Courier" charset="0"/>
+                <a:cs typeface="Courier" charset="0"/>
+              </a:rPr>
+              <a:t>    |         Error Estimate        |   </a:t>
+            </a:r>
+            <a:r>
+              <a:rPr lang="en-US" sz="750" dirty="0">
+                <a:solidFill>
+                  <a:srgbClr val="0070C0"/>
+                </a:solidFill>
+                <a:latin typeface="Courier" charset="0"/>
+                <a:ea typeface="Courier" charset="0"/>
+                <a:cs typeface="Courier" charset="0"/>
+              </a:rPr>
+              <a:t>Session ID                  </a:t>
+            </a:r>
+            <a:r>
+              <a:rPr lang="en-US" sz="750" dirty="0">
+                <a:latin typeface="Courier" charset="0"/>
+                <a:ea typeface="Courier" charset="0"/>
+                <a:cs typeface="Courier" charset="0"/>
+              </a:rPr>
+              <a:t>|    </a:t>
+            </a:r>
+          </a:p>
+          <a:p>
+            <a:pPr>
+              <a:spcAft>
+                <a:spcPts val="0"/>
+              </a:spcAft>
+            </a:pPr>
+            <a:r>
+              <a:rPr lang="en-US" sz="750" dirty="0">
+                <a:latin typeface="Courier" charset="0"/>
+                <a:ea typeface="Courier" charset="0"/>
+                <a:cs typeface="Courier" charset="0"/>
+              </a:rPr>
+              <a:t>    +-+-+-+-+-+-+-+-+-+-+-+-+-+-+-+-+-+-+-+-+-+-+-+-+-+-+-+-+-+-+-+-+</a:t>
+            </a:r>
+          </a:p>
+          <a:p>
+            <a:pPr>
+              <a:spcAft>
+                <a:spcPts val="0"/>
+              </a:spcAft>
+            </a:pPr>
+            <a:r>
+              <a:rPr lang="en-US" sz="750" dirty="0">
+                <a:latin typeface="Courier" charset="0"/>
+                <a:ea typeface="Courier" charset="0"/>
+                <a:cs typeface="Courier" charset="0"/>
+              </a:rPr>
+              <a:t>    |                          Receive Timestamp                    |</a:t>
+            </a:r>
+          </a:p>
+          <a:p>
+            <a:pPr>
+              <a:spcAft>
+                <a:spcPts val="0"/>
+              </a:spcAft>
+            </a:pPr>
+            <a:r>
+              <a:rPr lang="en-US" sz="750" dirty="0">
+                <a:latin typeface="Courier" charset="0"/>
+                <a:ea typeface="Courier" charset="0"/>
+                <a:cs typeface="Courier" charset="0"/>
+              </a:rPr>
+              <a:t>    |                                                               |</a:t>
+            </a:r>
+          </a:p>
+          <a:p>
+            <a:pPr>
+              <a:spcAft>
+                <a:spcPts val="0"/>
+              </a:spcAft>
+            </a:pPr>
+            <a:r>
+              <a:rPr lang="en-US" sz="750" dirty="0">
+                <a:latin typeface="Courier" charset="0"/>
+                <a:ea typeface="Courier" charset="0"/>
+                <a:cs typeface="Courier" charset="0"/>
+              </a:rPr>
+              <a:t>    +-+-+-+-+-+-+-+-+-+-+-+-+-+-+-+-+-+-+-+-+-+-+-+-+-+-+-+-+-+-+-+-+</a:t>
+            </a:r>
+          </a:p>
+          <a:p>
+            <a:pPr>
+              <a:spcAft>
+                <a:spcPts val="0"/>
+              </a:spcAft>
+            </a:pPr>
+            <a:r>
+              <a:rPr lang="en-US" sz="750" dirty="0">
+                <a:latin typeface="Courier" charset="0"/>
+                <a:ea typeface="Courier" charset="0"/>
+                <a:cs typeface="Courier" charset="0"/>
+              </a:rPr>
+              <a:t>    |                 Session-Sender Sequence Number                |</a:t>
+            </a:r>
+          </a:p>
+          <a:p>
+            <a:pPr>
+              <a:spcAft>
+                <a:spcPts val="0"/>
+              </a:spcAft>
+            </a:pPr>
+            <a:r>
+              <a:rPr lang="en-US" sz="750" dirty="0">
+                <a:latin typeface="Courier" charset="0"/>
+                <a:ea typeface="Courier" charset="0"/>
+                <a:cs typeface="Courier" charset="0"/>
+              </a:rPr>
+              <a:t>    +-+-+-+-+-+-+-+-+-+-+-+-+-+-+-+-+-+-+-+-+-+-+-+-+-+-+-+-+-+-+-+-+</a:t>
+            </a:r>
+          </a:p>
+          <a:p>
+            <a:pPr>
+              <a:spcAft>
+                <a:spcPts val="0"/>
+              </a:spcAft>
+            </a:pPr>
+            <a:r>
+              <a:rPr lang="en-US" sz="750" dirty="0">
+                <a:latin typeface="Courier" charset="0"/>
+                <a:ea typeface="Courier" charset="0"/>
+                <a:cs typeface="Courier" charset="0"/>
+              </a:rPr>
+              <a:t>    |                 Session-Sender Timestamp                      |</a:t>
+            </a:r>
+          </a:p>
+          <a:p>
+            <a:pPr>
+              <a:spcAft>
+                <a:spcPts val="0"/>
+              </a:spcAft>
+            </a:pPr>
+            <a:r>
+              <a:rPr lang="en-US" sz="750" dirty="0">
+                <a:latin typeface="Courier" charset="0"/>
+                <a:ea typeface="Courier" charset="0"/>
+                <a:cs typeface="Courier" charset="0"/>
+              </a:rPr>
+              <a:t>    |                                                               |</a:t>
+            </a:r>
+          </a:p>
+          <a:p>
+            <a:pPr>
+              <a:spcAft>
+                <a:spcPts val="0"/>
+              </a:spcAft>
+            </a:pPr>
+            <a:r>
+              <a:rPr lang="en-US" sz="750" dirty="0">
+                <a:latin typeface="Courier" charset="0"/>
+                <a:ea typeface="Courier" charset="0"/>
+                <a:cs typeface="Courier" charset="0"/>
+              </a:rPr>
+              <a:t>    +-+-+-+-+-+-+-+-+-+-+-+-+-+-+-+-+-+-+-+-+-+-+-+-+-+-+-+-+-+-+-+-+</a:t>
+            </a:r>
+          </a:p>
+          <a:p>
+            <a:pPr>
+              <a:spcAft>
+                <a:spcPts val="0"/>
+              </a:spcAft>
+            </a:pPr>
+            <a:r>
+              <a:rPr lang="en-US" sz="750" dirty="0">
+                <a:latin typeface="Courier" charset="0"/>
+                <a:ea typeface="Courier" charset="0"/>
+                <a:cs typeface="Courier" charset="0"/>
+              </a:rPr>
+              <a:t>    | Session-Sender Error Estimate | MBZ           |</a:t>
+            </a:r>
+            <a:r>
+              <a:rPr lang="en-US" sz="750" dirty="0">
+                <a:solidFill>
+                  <a:srgbClr val="7030A0"/>
+                </a:solidFill>
+                <a:latin typeface="Courier" charset="0"/>
+                <a:ea typeface="Courier" charset="0"/>
+                <a:cs typeface="Courier" charset="0"/>
+              </a:rPr>
+              <a:t>RX Control Code</a:t>
+            </a:r>
+            <a:r>
+              <a:rPr lang="en-US" sz="750" dirty="0">
+                <a:solidFill>
+                  <a:schemeClr val="tx2"/>
+                </a:solidFill>
+                <a:latin typeface="Courier" charset="0"/>
+                <a:ea typeface="Courier" charset="0"/>
+                <a:cs typeface="Courier" charset="0"/>
+              </a:rPr>
+              <a:t>|</a:t>
+            </a:r>
+            <a:endParaRPr lang="en-US" sz="750" dirty="0">
+              <a:latin typeface="Courier" charset="0"/>
+              <a:ea typeface="Courier" charset="0"/>
+              <a:cs typeface="Courier" charset="0"/>
+            </a:endParaRPr>
+          </a:p>
+          <a:p>
+            <a:pPr>
+              <a:spcAft>
+                <a:spcPts val="0"/>
+              </a:spcAft>
+            </a:pPr>
+            <a:r>
+              <a:rPr lang="en-US" sz="750" dirty="0">
+                <a:latin typeface="Courier" charset="0"/>
+                <a:ea typeface="Courier" charset="0"/>
+                <a:cs typeface="Courier" charset="0"/>
+              </a:rPr>
+              <a:t>    +-+-+-+-+-+-+-+-+-+-+-+-+-+-+-+-+-+-+-+-+-+-+-+-+-+-+-+-+-+-+-+-+</a:t>
+            </a:r>
+          </a:p>
+          <a:p>
+            <a:pPr>
+              <a:spcAft>
+                <a:spcPts val="0"/>
+              </a:spcAft>
+            </a:pPr>
+            <a:r>
+              <a:rPr lang="en-US" sz="750" dirty="0">
+                <a:latin typeface="Courier" charset="0"/>
+                <a:ea typeface="Courier" charset="0"/>
+                <a:cs typeface="Courier" charset="0"/>
+              </a:rPr>
+              <a:t>    |</a:t>
+            </a:r>
+            <a:r>
+              <a:rPr lang="en-US" sz="750" dirty="0" err="1">
+                <a:latin typeface="Courier" charset="0"/>
+                <a:ea typeface="Courier" charset="0"/>
+                <a:cs typeface="Courier" charset="0"/>
+              </a:rPr>
+              <a:t>Ses</a:t>
+            </a:r>
+            <a:r>
+              <a:rPr lang="en-US" sz="750" dirty="0">
+                <a:latin typeface="Courier" charset="0"/>
+                <a:ea typeface="Courier" charset="0"/>
+                <a:cs typeface="Courier" charset="0"/>
+              </a:rPr>
+              <a:t>-Sender TTL |                 MBZ                           |</a:t>
+            </a:r>
+          </a:p>
+          <a:p>
+            <a:pPr>
+              <a:spcAft>
+                <a:spcPts val="0"/>
+              </a:spcAft>
+            </a:pPr>
+            <a:r>
+              <a:rPr lang="en-US" sz="750" dirty="0">
+                <a:latin typeface="Courier" charset="0"/>
+                <a:ea typeface="Courier" charset="0"/>
+                <a:cs typeface="Courier" charset="0"/>
+              </a:rPr>
+              <a:t>    +-+-+-+-+-+-+-+-+-+-+-+-+-+-+-+-+-+-+-+-+-+-+-+-+-+-+-+-+-+-+-+-+</a:t>
+            </a:r>
+          </a:p>
+          <a:p>
+            <a:pPr>
+              <a:spcAft>
+                <a:spcPts val="0"/>
+              </a:spcAft>
+            </a:pPr>
+            <a:r>
+              <a:rPr lang="en-US" sz="750" dirty="0">
+                <a:solidFill>
+                  <a:srgbClr val="0070C0"/>
+                </a:solidFill>
+                <a:latin typeface="Courier" charset="0"/>
+                <a:ea typeface="Courier" charset="0"/>
+                <a:cs typeface="Courier" charset="0"/>
+              </a:rPr>
+              <a:t>	    </a:t>
+            </a:r>
+          </a:p>
+          <a:p>
+            <a:pPr>
+              <a:spcAft>
+                <a:spcPts val="0"/>
+              </a:spcAft>
+            </a:pPr>
+            <a:r>
+              <a:rPr lang="en-US" sz="750" dirty="0">
+                <a:latin typeface="Courier" charset="0"/>
+                <a:ea typeface="Courier" charset="0"/>
+                <a:cs typeface="Courier" charset="0"/>
+              </a:rPr>
+              <a:t>                 Figure: Reflector Message Format in STAMP</a:t>
             </a:r>
           </a:p>
         </p:txBody>
@@ -12562,45 +13726,61 @@
       </p:sp>
       <p:sp>
         <p:nvSpPr>
-          <p:cNvPr id="10" name="Text Placeholder 1">
+          <p:cNvPr id="8" name="TextBox 7">
             <a:extLst>
               <a:ext uri="{FF2B5EF4-FFF2-40B4-BE49-F238E27FC236}">
-                <a16:creationId xmlns:a16="http://schemas.microsoft.com/office/drawing/2014/main" id="{F92F1DD9-66C5-0245-B7E6-21453FB41030}"/>
+                <a16:creationId xmlns:a16="http://schemas.microsoft.com/office/drawing/2014/main" id="{37CBC2EA-1BDB-8446-B97D-65F09F083354}"/>
               </a:ext>
             </a:extLst>
           </p:cNvPr>
-          <p:cNvSpPr>
-            <a:spLocks noGrp="1"/>
-          </p:cNvSpPr>
-          <p:nvPr>
-            <p:ph type="body" sz="quarter" idx="10"/>
-          </p:nvPr>
+          <p:cNvSpPr txBox="1"/>
+          <p:nvPr/>
         </p:nvSpPr>
         <p:spPr>
           <a:xfrm>
-            <a:off x="450792" y="987645"/>
-            <a:ext cx="8277344" cy="3168210"/>
+            <a:off x="304800" y="4032512"/>
+            <a:ext cx="7020323" cy="461665"/>
           </a:xfrm>
+          <a:prstGeom prst="rect">
+            <a:avLst/>
+          </a:prstGeom>
+          <a:noFill/>
         </p:spPr>
         <p:txBody>
-          <a:bodyPr/>
+          <a:bodyPr wrap="square" rtlCol="0">
+            <a:spAutoFit/>
+          </a:bodyPr>
           <a:lstStyle/>
           <a:p>
-            <a:r>
-              <a:rPr lang="en-US" dirty="0">
+            <a:pPr marL="285750" indent="-285750">
+              <a:buFont typeface="Wingdings" pitchFamily="2" charset="2"/>
+              <a:buChar char="ü"/>
+            </a:pPr>
+            <a:r>
+              <a:rPr lang="en-US" sz="1200" dirty="0">
+                <a:solidFill>
+                  <a:schemeClr val="tx2"/>
+                </a:solidFill>
                 <a:latin typeface="Calibri" panose="020F0502020204030204" pitchFamily="34" charset="0"/>
                 <a:cs typeface="Calibri" panose="020F0502020204030204" pitchFamily="34" charset="0"/>
               </a:rPr>
-              <a:t>Converge on an option for STAMP message format</a:t>
-            </a:r>
-          </a:p>
-          <a:p>
-            <a:r>
-              <a:rPr lang="en-US" dirty="0">
+              <a:t>Session ID has only 16-bits – is this good enough?</a:t>
+            </a:r>
+          </a:p>
+          <a:p>
+            <a:pPr marL="285750" indent="-285750">
+              <a:buFont typeface="Wingdings" pitchFamily="2" charset="2"/>
+              <a:buChar char="ü"/>
+            </a:pPr>
+            <a:r>
+              <a:rPr lang="en-US" sz="1200" dirty="0">
+                <a:solidFill>
+                  <a:schemeClr val="tx2"/>
+                </a:solidFill>
                 <a:latin typeface="Calibri" panose="020F0502020204030204" pitchFamily="34" charset="0"/>
                 <a:cs typeface="Calibri" panose="020F0502020204030204" pitchFamily="34" charset="0"/>
               </a:rPr>
-              <a:t>Update the respective drafts with the agreed option</a:t>
+              <a:t>Control code is TX and RX direction specific - hence copy of TX to RX not required</a:t>
             </a:r>
           </a:p>
         </p:txBody>
@@ -12608,7 +13788,7 @@
     </p:spTree>
     <p:extLst>
       <p:ext uri="{BB962C8B-B14F-4D97-AF65-F5344CB8AC3E}">
-        <p14:creationId xmlns:p14="http://schemas.microsoft.com/office/powerpoint/2010/main" val="2764242513"/>
+        <p14:creationId xmlns:p14="http://schemas.microsoft.com/office/powerpoint/2010/main" val="24430334"/>
       </p:ext>
     </p:extLst>
   </p:cSld>
@@ -12640,270 +13820,436 @@
       </p:grpSpPr>
       <p:sp>
         <p:nvSpPr>
-          <p:cNvPr id="4" name="Footer Placeholder 3"/>
+          <p:cNvPr id="3" name="Title 2"/>
           <p:cNvSpPr>
             <a:spLocks noGrp="1"/>
           </p:cNvSpPr>
           <p:nvPr>
-            <p:ph type="ftr" sz="quarter" idx="11"/>
+            <p:ph type="title"/>
           </p:nvPr>
         </p:nvSpPr>
         <p:spPr>
           <a:xfrm>
-            <a:off x="3048000" y="4786312"/>
-            <a:ext cx="2895600" cy="357188"/>
+            <a:off x="641864" y="143650"/>
+            <a:ext cx="7514772" cy="706080"/>
           </a:xfrm>
         </p:spPr>
         <p:txBody>
           <a:bodyPr/>
           <a:lstStyle/>
           <a:p>
-            <a:pPr>
-              <a:defRPr/>
-            </a:pPr>
-            <a:r>
-              <a:rPr lang="en-US" altLang="zh-CN" dirty="0"/>
-              <a:t>107</a:t>
-            </a:r>
-            <a:r>
-              <a:rPr lang="en-US" altLang="zh-CN" baseline="30000" dirty="0"/>
-              <a:t>th</a:t>
-            </a:r>
-            <a:r>
-              <a:rPr lang="en-US" altLang="zh-CN" dirty="0"/>
-              <a:t> IETF @ Vancouver</a:t>
+            <a:pPr algn="l"/>
+            <a:r>
+              <a:rPr lang="en-US" sz="4000" dirty="0">
+                <a:solidFill>
+                  <a:srgbClr val="0070C0"/>
+                </a:solidFill>
+                <a:latin typeface="Calibri Light" panose="020F0302020204030204" pitchFamily="34" charset="0"/>
+                <a:cs typeface="Calibri Light" panose="020F0302020204030204" pitchFamily="34" charset="0"/>
+              </a:rPr>
+              <a:t>Next Steps</a:t>
             </a:r>
           </a:p>
         </p:txBody>
       </p:sp>
       <p:sp>
         <p:nvSpPr>
-          <p:cNvPr id="5" name="Rectangle 2"/>
+          <p:cNvPr id="6" name="Footer Placeholder 3">
+            <a:extLst>
+              <a:ext uri="{FF2B5EF4-FFF2-40B4-BE49-F238E27FC236}">
+                <a16:creationId xmlns:a16="http://schemas.microsoft.com/office/drawing/2014/main" id="{DAAC01B7-F9FF-A94D-AC6F-E2071AD95C28}"/>
+              </a:ext>
+            </a:extLst>
+          </p:cNvPr>
           <p:cNvSpPr txBox="1">
-            <a:spLocks noChangeArrowheads="1"/>
+            <a:spLocks/>
           </p:cNvSpPr>
           <p:nvPr/>
         </p:nvSpPr>
-        <p:spPr bwMode="auto">
+        <p:spPr>
           <a:xfrm>
-            <a:off x="685800" y="1657350"/>
-            <a:ext cx="7772400" cy="1102519"/>
+            <a:off x="3467100" y="4844952"/>
+            <a:ext cx="2209800" cy="357188"/>
           </a:xfrm>
           <a:prstGeom prst="rect">
             <a:avLst/>
           </a:prstGeom>
-          <a:noFill/>
-          <a:ln w="9525">
-            <a:noFill/>
-            <a:miter lim="800000"/>
-            <a:headEnd/>
-            <a:tailEnd/>
-          </a:ln>
-          <a:effectLst/>
         </p:spPr>
         <p:txBody>
-          <a:bodyPr vert="horz" wrap="square" lIns="91440" tIns="45720" rIns="91440" bIns="45720" numCol="1" anchor="ctr" anchorCtr="0" compatLnSpc="1">
-            <a:prstTxWarp prst="textNoShape">
-              <a:avLst/>
-            </a:prstTxWarp>
-          </a:bodyPr>
+          <a:bodyPr/>
           <a:lstStyle>
-            <a:lvl1pPr algn="ctr" rtl="0" eaLnBrk="0" fontAlgn="base" hangingPunct="0">
+            <a:defPPr>
+              <a:defRPr lang="zh-CN"/>
+            </a:defPPr>
+            <a:lvl1pPr algn="l" rtl="0" fontAlgn="base">
               <a:spcBef>
                 <a:spcPct val="0"/>
               </a:spcBef>
               <a:spcAft>
                 <a:spcPct val="0"/>
               </a:spcAft>
-              <a:defRPr sz="4400">
-                <a:solidFill>
-                  <a:schemeClr val="tx2"/>
-                </a:solidFill>
-                <a:latin typeface="+mj-lt"/>
-                <a:ea typeface="+mj-ea"/>
-                <a:cs typeface="+mj-cs"/>
-              </a:defRPr>
-            </a:lvl1pPr>
-            <a:lvl2pPr algn="ctr" rtl="0" eaLnBrk="0" fontAlgn="base" hangingPunct="0">
-              <a:spcBef>
-                <a:spcPct val="0"/>
-              </a:spcBef>
-              <a:spcAft>
-                <a:spcPct val="0"/>
-              </a:spcAft>
-              <a:defRPr sz="4400">
-                <a:solidFill>
-                  <a:schemeClr val="tx2"/>
+              <a:defRPr kern="1200">
+                <a:solidFill>
+                  <a:schemeClr val="tx1"/>
                 </a:solidFill>
                 <a:latin typeface="Arial" charset="0"/>
                 <a:ea typeface="宋体" pitchFamily="2" charset="-122"/>
-              </a:defRPr>
-            </a:lvl2pPr>
-            <a:lvl3pPr algn="ctr" rtl="0" eaLnBrk="0" fontAlgn="base" hangingPunct="0">
+                <a:cs typeface="+mn-cs"/>
+              </a:defRPr>
+            </a:lvl1pPr>
+            <a:lvl2pPr marL="457200" algn="l" rtl="0" fontAlgn="base">
               <a:spcBef>
                 <a:spcPct val="0"/>
               </a:spcBef>
               <a:spcAft>
                 <a:spcPct val="0"/>
               </a:spcAft>
-              <a:defRPr sz="4400">
-                <a:solidFill>
-                  <a:schemeClr val="tx2"/>
+              <a:defRPr kern="1200">
+                <a:solidFill>
+                  <a:schemeClr val="tx1"/>
                 </a:solidFill>
                 <a:latin typeface="Arial" charset="0"/>
                 <a:ea typeface="宋体" pitchFamily="2" charset="-122"/>
-              </a:defRPr>
-            </a:lvl3pPr>
-            <a:lvl4pPr algn="ctr" rtl="0" eaLnBrk="0" fontAlgn="base" hangingPunct="0">
+                <a:cs typeface="+mn-cs"/>
+              </a:defRPr>
+            </a:lvl2pPr>
+            <a:lvl3pPr marL="914400" algn="l" rtl="0" fontAlgn="base">
               <a:spcBef>
                 <a:spcPct val="0"/>
               </a:spcBef>
               <a:spcAft>
                 <a:spcPct val="0"/>
               </a:spcAft>
-              <a:defRPr sz="4400">
-                <a:solidFill>
-                  <a:schemeClr val="tx2"/>
+              <a:defRPr kern="1200">
+                <a:solidFill>
+                  <a:schemeClr val="tx1"/>
                 </a:solidFill>
                 <a:latin typeface="Arial" charset="0"/>
                 <a:ea typeface="宋体" pitchFamily="2" charset="-122"/>
-              </a:defRPr>
-            </a:lvl4pPr>
-            <a:lvl5pPr algn="ctr" rtl="0" eaLnBrk="0" fontAlgn="base" hangingPunct="0">
+                <a:cs typeface="+mn-cs"/>
+              </a:defRPr>
+            </a:lvl3pPr>
+            <a:lvl4pPr marL="1371600" algn="l" rtl="0" fontAlgn="base">
               <a:spcBef>
                 <a:spcPct val="0"/>
               </a:spcBef>
               <a:spcAft>
                 <a:spcPct val="0"/>
               </a:spcAft>
-              <a:defRPr sz="4400">
-                <a:solidFill>
-                  <a:schemeClr val="tx2"/>
+              <a:defRPr kern="1200">
+                <a:solidFill>
+                  <a:schemeClr val="tx1"/>
                 </a:solidFill>
                 <a:latin typeface="Arial" charset="0"/>
                 <a:ea typeface="宋体" pitchFamily="2" charset="-122"/>
-              </a:defRPr>
-            </a:lvl5pPr>
-            <a:lvl6pPr marL="457200" algn="ctr" rtl="0" fontAlgn="base">
+                <a:cs typeface="+mn-cs"/>
+              </a:defRPr>
+            </a:lvl4pPr>
+            <a:lvl5pPr marL="1828800" algn="l" rtl="0" fontAlgn="base">
               <a:spcBef>
                 <a:spcPct val="0"/>
               </a:spcBef>
               <a:spcAft>
                 <a:spcPct val="0"/>
               </a:spcAft>
-              <a:defRPr sz="4400">
-                <a:solidFill>
-                  <a:schemeClr val="tx2"/>
+              <a:defRPr kern="1200">
+                <a:solidFill>
+                  <a:schemeClr val="tx1"/>
                 </a:solidFill>
                 <a:latin typeface="Arial" charset="0"/>
                 <a:ea typeface="宋体" pitchFamily="2" charset="-122"/>
-              </a:defRPr>
-            </a:lvl6pPr>
-            <a:lvl7pPr marL="914400" algn="ctr" rtl="0" fontAlgn="base">
-              <a:spcBef>
-                <a:spcPct val="0"/>
-              </a:spcBef>
-              <a:spcAft>
-                <a:spcPct val="0"/>
-              </a:spcAft>
-              <a:defRPr sz="4400">
-                <a:solidFill>
-                  <a:schemeClr val="tx2"/>
+                <a:cs typeface="+mn-cs"/>
+              </a:defRPr>
+            </a:lvl5pPr>
+            <a:lvl6pPr marL="2286000" algn="l" defTabSz="914400" rtl="0" eaLnBrk="1" latinLnBrk="0" hangingPunct="1">
+              <a:defRPr kern="1200">
+                <a:solidFill>
+                  <a:schemeClr val="tx1"/>
                 </a:solidFill>
                 <a:latin typeface="Arial" charset="0"/>
                 <a:ea typeface="宋体" pitchFamily="2" charset="-122"/>
-              </a:defRPr>
-            </a:lvl7pPr>
-            <a:lvl8pPr marL="1371600" algn="ctr" rtl="0" fontAlgn="base">
-              <a:spcBef>
-                <a:spcPct val="0"/>
-              </a:spcBef>
-              <a:spcAft>
-                <a:spcPct val="0"/>
-              </a:spcAft>
-              <a:defRPr sz="4400">
-                <a:solidFill>
-                  <a:schemeClr val="tx2"/>
+                <a:cs typeface="+mn-cs"/>
+              </a:defRPr>
+            </a:lvl6pPr>
+            <a:lvl7pPr marL="2743200" algn="l" defTabSz="914400" rtl="0" eaLnBrk="1" latinLnBrk="0" hangingPunct="1">
+              <a:defRPr kern="1200">
+                <a:solidFill>
+                  <a:schemeClr val="tx1"/>
                 </a:solidFill>
                 <a:latin typeface="Arial" charset="0"/>
                 <a:ea typeface="宋体" pitchFamily="2" charset="-122"/>
-              </a:defRPr>
-            </a:lvl8pPr>
-            <a:lvl9pPr marL="1828800" algn="ctr" rtl="0" fontAlgn="base">
-              <a:spcBef>
-                <a:spcPct val="0"/>
-              </a:spcBef>
-              <a:spcAft>
-                <a:spcPct val="0"/>
-              </a:spcAft>
-              <a:defRPr sz="4400">
-                <a:solidFill>
-                  <a:schemeClr val="tx2"/>
+                <a:cs typeface="+mn-cs"/>
+              </a:defRPr>
+            </a:lvl7pPr>
+            <a:lvl8pPr marL="3200400" algn="l" defTabSz="914400" rtl="0" eaLnBrk="1" latinLnBrk="0" hangingPunct="1">
+              <a:defRPr kern="1200">
+                <a:solidFill>
+                  <a:schemeClr val="tx1"/>
                 </a:solidFill>
                 <a:latin typeface="Arial" charset="0"/>
                 <a:ea typeface="宋体" pitchFamily="2" charset="-122"/>
+                <a:cs typeface="+mn-cs"/>
+              </a:defRPr>
+            </a:lvl8pPr>
+            <a:lvl9pPr marL="3657600" algn="l" defTabSz="914400" rtl="0" eaLnBrk="1" latinLnBrk="0" hangingPunct="1">
+              <a:defRPr kern="1200">
+                <a:solidFill>
+                  <a:schemeClr val="tx1"/>
+                </a:solidFill>
+                <a:latin typeface="Arial" charset="0"/>
+                <a:ea typeface="宋体" pitchFamily="2" charset="-122"/>
+                <a:cs typeface="+mn-cs"/>
               </a:defRPr>
             </a:lvl9pPr>
           </a:lstStyle>
           <a:p>
-            <a:pPr eaLnBrk="1" hangingPunct="1">
+            <a:pPr>
               <a:defRPr/>
             </a:pPr>
             <a:r>
-              <a:rPr lang="en-US" altLang="zh-CN" sz="4000" kern="0" dirty="0">
-                <a:effectLst>
-                  <a:outerShdw blurRad="38100" dist="38100" dir="2700000" algn="tl">
-                    <a:srgbClr val="C0C0C0"/>
-                  </a:outerShdw>
-                </a:effectLst>
-                <a:latin typeface="Calibri" charset="0"/>
-                <a:ea typeface="Calibri" charset="0"/>
-                <a:cs typeface="Calibri" charset="0"/>
-              </a:rPr>
-              <a:t>Thank you</a:t>
+              <a:rPr lang="en-US" altLang="zh-CN" sz="1200" dirty="0"/>
+              <a:t>107</a:t>
+            </a:r>
+            <a:r>
+              <a:rPr lang="en-US" altLang="zh-CN" sz="1200" baseline="30000" dirty="0"/>
+              <a:t>th</a:t>
+            </a:r>
+            <a:r>
+              <a:rPr lang="en-US" altLang="zh-CN" sz="1200" dirty="0"/>
+              <a:t> IETF @ Vancouver</a:t>
             </a:r>
           </a:p>
         </p:txBody>
       </p:sp>
       <p:sp>
         <p:nvSpPr>
-          <p:cNvPr id="2" name="Slide Number Placeholder 1"/>
+          <p:cNvPr id="7" name="Slide Number Placeholder 2">
+            <a:extLst>
+              <a:ext uri="{FF2B5EF4-FFF2-40B4-BE49-F238E27FC236}">
+                <a16:creationId xmlns:a16="http://schemas.microsoft.com/office/drawing/2014/main" id="{8D46899F-25E7-8042-9E81-459B5F041477}"/>
+              </a:ext>
+            </a:extLst>
+          </p:cNvPr>
+          <p:cNvSpPr txBox="1">
+            <a:spLocks/>
+          </p:cNvSpPr>
+          <p:nvPr/>
+        </p:nvSpPr>
+        <p:spPr>
+          <a:xfrm>
+            <a:off x="7585136" y="4666358"/>
+            <a:ext cx="1143000" cy="357188"/>
+          </a:xfrm>
+          <a:prstGeom prst="rect">
+            <a:avLst/>
+          </a:prstGeom>
+        </p:spPr>
+        <p:txBody>
+          <a:bodyPr/>
+          <a:lstStyle>
+            <a:defPPr>
+              <a:defRPr lang="zh-CN"/>
+            </a:defPPr>
+            <a:lvl1pPr algn="l" rtl="0" fontAlgn="base">
+              <a:spcBef>
+                <a:spcPct val="0"/>
+              </a:spcBef>
+              <a:spcAft>
+                <a:spcPct val="0"/>
+              </a:spcAft>
+              <a:defRPr kern="1200">
+                <a:solidFill>
+                  <a:schemeClr val="tx1"/>
+                </a:solidFill>
+                <a:latin typeface="Arial" charset="0"/>
+                <a:ea typeface="宋体" pitchFamily="2" charset="-122"/>
+                <a:cs typeface="+mn-cs"/>
+              </a:defRPr>
+            </a:lvl1pPr>
+            <a:lvl2pPr marL="457200" algn="l" rtl="0" fontAlgn="base">
+              <a:spcBef>
+                <a:spcPct val="0"/>
+              </a:spcBef>
+              <a:spcAft>
+                <a:spcPct val="0"/>
+              </a:spcAft>
+              <a:defRPr kern="1200">
+                <a:solidFill>
+                  <a:schemeClr val="tx1"/>
+                </a:solidFill>
+                <a:latin typeface="Arial" charset="0"/>
+                <a:ea typeface="宋体" pitchFamily="2" charset="-122"/>
+                <a:cs typeface="+mn-cs"/>
+              </a:defRPr>
+            </a:lvl2pPr>
+            <a:lvl3pPr marL="914400" algn="l" rtl="0" fontAlgn="base">
+              <a:spcBef>
+                <a:spcPct val="0"/>
+              </a:spcBef>
+              <a:spcAft>
+                <a:spcPct val="0"/>
+              </a:spcAft>
+              <a:defRPr kern="1200">
+                <a:solidFill>
+                  <a:schemeClr val="tx1"/>
+                </a:solidFill>
+                <a:latin typeface="Arial" charset="0"/>
+                <a:ea typeface="宋体" pitchFamily="2" charset="-122"/>
+                <a:cs typeface="+mn-cs"/>
+              </a:defRPr>
+            </a:lvl3pPr>
+            <a:lvl4pPr marL="1371600" algn="l" rtl="0" fontAlgn="base">
+              <a:spcBef>
+                <a:spcPct val="0"/>
+              </a:spcBef>
+              <a:spcAft>
+                <a:spcPct val="0"/>
+              </a:spcAft>
+              <a:defRPr kern="1200">
+                <a:solidFill>
+                  <a:schemeClr val="tx1"/>
+                </a:solidFill>
+                <a:latin typeface="Arial" charset="0"/>
+                <a:ea typeface="宋体" pitchFamily="2" charset="-122"/>
+                <a:cs typeface="+mn-cs"/>
+              </a:defRPr>
+            </a:lvl4pPr>
+            <a:lvl5pPr marL="1828800" algn="l" rtl="0" fontAlgn="base">
+              <a:spcBef>
+                <a:spcPct val="0"/>
+              </a:spcBef>
+              <a:spcAft>
+                <a:spcPct val="0"/>
+              </a:spcAft>
+              <a:defRPr kern="1200">
+                <a:solidFill>
+                  <a:schemeClr val="tx1"/>
+                </a:solidFill>
+                <a:latin typeface="Arial" charset="0"/>
+                <a:ea typeface="宋体" pitchFamily="2" charset="-122"/>
+                <a:cs typeface="+mn-cs"/>
+              </a:defRPr>
+            </a:lvl5pPr>
+            <a:lvl6pPr marL="2286000" algn="l" defTabSz="914400" rtl="0" eaLnBrk="1" latinLnBrk="0" hangingPunct="1">
+              <a:defRPr kern="1200">
+                <a:solidFill>
+                  <a:schemeClr val="tx1"/>
+                </a:solidFill>
+                <a:latin typeface="Arial" charset="0"/>
+                <a:ea typeface="宋体" pitchFamily="2" charset="-122"/>
+                <a:cs typeface="+mn-cs"/>
+              </a:defRPr>
+            </a:lvl6pPr>
+            <a:lvl7pPr marL="2743200" algn="l" defTabSz="914400" rtl="0" eaLnBrk="1" latinLnBrk="0" hangingPunct="1">
+              <a:defRPr kern="1200">
+                <a:solidFill>
+                  <a:schemeClr val="tx1"/>
+                </a:solidFill>
+                <a:latin typeface="Arial" charset="0"/>
+                <a:ea typeface="宋体" pitchFamily="2" charset="-122"/>
+                <a:cs typeface="+mn-cs"/>
+              </a:defRPr>
+            </a:lvl7pPr>
+            <a:lvl8pPr marL="3200400" algn="l" defTabSz="914400" rtl="0" eaLnBrk="1" latinLnBrk="0" hangingPunct="1">
+              <a:defRPr kern="1200">
+                <a:solidFill>
+                  <a:schemeClr val="tx1"/>
+                </a:solidFill>
+                <a:latin typeface="Arial" charset="0"/>
+                <a:ea typeface="宋体" pitchFamily="2" charset="-122"/>
+                <a:cs typeface="+mn-cs"/>
+              </a:defRPr>
+            </a:lvl8pPr>
+            <a:lvl9pPr marL="3657600" algn="l" defTabSz="914400" rtl="0" eaLnBrk="1" latinLnBrk="0" hangingPunct="1">
+              <a:defRPr kern="1200">
+                <a:solidFill>
+                  <a:schemeClr val="tx1"/>
+                </a:solidFill>
+                <a:latin typeface="Arial" charset="0"/>
+                <a:ea typeface="宋体" pitchFamily="2" charset="-122"/>
+                <a:cs typeface="+mn-cs"/>
+              </a:defRPr>
+            </a:lvl9pPr>
+          </a:lstStyle>
+          <a:p>
+            <a:pPr algn="r">
+              <a:defRPr/>
+            </a:pPr>
+            <a:fld id="{D5EE1D1A-EEC2-4D53-94A7-85D62C853479}" type="slidenum">
+              <a:rPr lang="en-US" altLang="zh-CN" sz="1400" smtClean="0">
+                <a:latin typeface="Calibri" panose="020F0502020204030204" pitchFamily="34" charset="0"/>
+                <a:cs typeface="Calibri" panose="020F0502020204030204" pitchFamily="34" charset="0"/>
+              </a:rPr>
+              <a:pPr algn="r">
+                <a:defRPr/>
+              </a:pPr>
+              <a:t>9</a:t>
+            </a:fld>
+            <a:endParaRPr lang="en-US" altLang="zh-CN" sz="1400" dirty="0">
+              <a:latin typeface="Calibri" panose="020F0502020204030204" pitchFamily="34" charset="0"/>
+              <a:cs typeface="Calibri" panose="020F0502020204030204" pitchFamily="34" charset="0"/>
+            </a:endParaRPr>
+          </a:p>
+        </p:txBody>
+      </p:sp>
+      <p:sp>
+        <p:nvSpPr>
+          <p:cNvPr id="10" name="Text Placeholder 1">
+            <a:extLst>
+              <a:ext uri="{FF2B5EF4-FFF2-40B4-BE49-F238E27FC236}">
+                <a16:creationId xmlns:a16="http://schemas.microsoft.com/office/drawing/2014/main" id="{F92F1DD9-66C5-0245-B7E6-21453FB41030}"/>
+              </a:ext>
+            </a:extLst>
+          </p:cNvPr>
           <p:cNvSpPr>
             <a:spLocks noGrp="1"/>
           </p:cNvSpPr>
           <p:nvPr>
-            <p:ph type="sldNum" sz="quarter" idx="12"/>
+            <p:ph type="body" sz="quarter" idx="10"/>
           </p:nvPr>
         </p:nvSpPr>
-        <p:spPr/>
+        <p:spPr>
+          <a:xfrm>
+            <a:off x="450792" y="987645"/>
+            <a:ext cx="8277344" cy="3168210"/>
+          </a:xfrm>
+        </p:spPr>
         <p:txBody>
           <a:bodyPr/>
           <a:lstStyle/>
           <a:p>
-            <a:pPr>
-              <a:defRPr/>
-            </a:pPr>
-            <a:fld id="{BD6E0F59-1DD8-40FC-9C92-B6295CBA6CCA}" type="slidenum">
-              <a:rPr lang="en-US" altLang="zh-CN" smtClean="0"/>
-              <a:pPr>
-                <a:defRPr/>
-              </a:pPr>
-              <a:t>9</a:t>
-            </a:fld>
-            <a:endParaRPr lang="en-US" altLang="zh-CN" dirty="0"/>
+            <a:r>
+              <a:rPr lang="en-US" dirty="0">
+                <a:latin typeface="Calibri" panose="020F0502020204030204" pitchFamily="34" charset="0"/>
+                <a:cs typeface="Calibri" panose="020F0502020204030204" pitchFamily="34" charset="0"/>
+              </a:rPr>
+              <a:t>Converge on an option for STAMP message format</a:t>
+            </a:r>
+          </a:p>
+          <a:p>
+            <a:r>
+              <a:rPr lang="en-US" dirty="0">
+                <a:latin typeface="Calibri" panose="020F0502020204030204" pitchFamily="34" charset="0"/>
+                <a:cs typeface="Calibri" panose="020F0502020204030204" pitchFamily="34" charset="0"/>
+              </a:rPr>
+              <a:t>Update the respective drafts with the agreed option</a:t>
+            </a:r>
           </a:p>
         </p:txBody>
       </p:sp>
     </p:spTree>
     <p:extLst>
       <p:ext uri="{BB962C8B-B14F-4D97-AF65-F5344CB8AC3E}">
-        <p14:creationId xmlns:p14="http://schemas.microsoft.com/office/powerpoint/2010/main" val="487469376"/>
+        <p14:creationId xmlns:p14="http://schemas.microsoft.com/office/powerpoint/2010/main" val="2764242513"/>
       </p:ext>
     </p:extLst>
   </p:cSld>
   <p:clrMapOvr>
     <a:masterClrMapping/>
   </p:clrMapOvr>
+  <p:transition spd="med">
+    <p:fade/>
+  </p:transition>
 </p:sld>
 </file>
 

--- a/ietf-stamp-session-id-rev1.pptx
+++ b/ietf-stamp-session-id-rev1.pptx
@@ -253,7 +253,7 @@
           <a:p>
             <a:fld id="{E8FA3DB5-7722-3F4F-947D-12B203669AD7}" type="datetimeFigureOut">
               <a:rPr lang="en-US" smtClean="0"/>
-              <a:t>3/21/20</a:t>
+              <a:t>3/22/20</a:t>
             </a:fld>
             <a:endParaRPr lang="en-US"/>
           </a:p>
@@ -1836,7 +1836,7 @@
               </a14:hiddenLine>
             </a:ext>
             <a:ext uri="{FAA26D3D-D897-4be2-8F04-BA451C77F1D7}">
-              <ma14:placeholderFlag xmlns="" xmlns:ma14="http://schemas.microsoft.com/office/mac/drawingml/2011/main" val="1"/>
+              <ma14:placeholderFlag xmlns:ma14="http://schemas.microsoft.com/office/mac/drawingml/2011/main" xmlns="" val="1"/>
             </a:ext>
           </a:extLst>
         </p:spPr>
@@ -4662,7 +4662,7 @@
                 <a:ea typeface="Calibri" charset="0"/>
                 <a:cs typeface="Calibri" panose="020F0502020204030204" pitchFamily="34" charset="0"/>
               </a:rPr>
-              <a:t>Updated: March 16, 2020</a:t>
+              <a:t>Updated: March 22, 2020</a:t>
             </a:r>
           </a:p>
         </p:txBody>
@@ -5149,186 +5149,6 @@
       </p:sp>
       <p:sp>
         <p:nvSpPr>
-          <p:cNvPr id="7" name="Rectangle 6">
-            <a:extLst>
-              <a:ext uri="{FF2B5EF4-FFF2-40B4-BE49-F238E27FC236}">
-                <a16:creationId xmlns:a16="http://schemas.microsoft.com/office/drawing/2014/main" id="{AA6E66CA-28BC-2C4A-BC04-4600D8FEBF3B}"/>
-              </a:ext>
-            </a:extLst>
-          </p:cNvPr>
-          <p:cNvSpPr/>
-          <p:nvPr/>
-        </p:nvSpPr>
-        <p:spPr>
-          <a:xfrm>
-            <a:off x="4191000" y="1433513"/>
-            <a:ext cx="4648200" cy="1754326"/>
-          </a:xfrm>
-          <a:prstGeom prst="rect">
-            <a:avLst/>
-          </a:prstGeom>
-          <a:noFill/>
-          <a:ln>
-            <a:solidFill>
-              <a:srgbClr val="002060"/>
-            </a:solidFill>
-          </a:ln>
-        </p:spPr>
-        <p:txBody>
-          <a:bodyPr wrap="square">
-            <a:spAutoFit/>
-          </a:bodyPr>
-          <a:lstStyle/>
-          <a:p>
-            <a:r>
-              <a:rPr lang="en-CA" sz="900" dirty="0">
-                <a:latin typeface="Courier New" panose="02070309020205020404" pitchFamily="49" charset="0"/>
-                <a:cs typeface="Courier New" panose="02070309020205020404" pitchFamily="49" charset="0"/>
-              </a:rPr>
-              <a:t>.                                                               .</a:t>
-            </a:r>
-          </a:p>
-          <a:p>
-            <a:r>
-              <a:rPr lang="en-CA" sz="900" dirty="0">
-                <a:latin typeface="Courier New" panose="02070309020205020404" pitchFamily="49" charset="0"/>
-                <a:cs typeface="Courier New" panose="02070309020205020404" pitchFamily="49" charset="0"/>
-              </a:rPr>
-              <a:t>.                                                               .</a:t>
-            </a:r>
-          </a:p>
-          <a:p>
-            <a:r>
-              <a:rPr lang="en-CA" sz="900" dirty="0">
-                <a:latin typeface="Courier New" panose="02070309020205020404" pitchFamily="49" charset="0"/>
-                <a:cs typeface="Courier New" panose="02070309020205020404" pitchFamily="49" charset="0"/>
-              </a:rPr>
-              <a:t>+-+-+-+-+-+-+-+-+-+-+-+-+-+-+-+-+-+-+-+-+-+-+-+-+-+-+-+-+-+-+-+-+</a:t>
-            </a:r>
-          </a:p>
-          <a:p>
-            <a:r>
-              <a:rPr lang="en-CA" sz="900" dirty="0">
-                <a:latin typeface="Courier New" panose="02070309020205020404" pitchFamily="49" charset="0"/>
-                <a:cs typeface="Courier New" panose="02070309020205020404" pitchFamily="49" charset="0"/>
-              </a:rPr>
-              <a:t>|                          Timestamp                            |</a:t>
-            </a:r>
-          </a:p>
-          <a:p>
-            <a:r>
-              <a:rPr lang="en-CA" sz="900" dirty="0">
-                <a:latin typeface="Courier New" panose="02070309020205020404" pitchFamily="49" charset="0"/>
-                <a:cs typeface="Courier New" panose="02070309020205020404" pitchFamily="49" charset="0"/>
-              </a:rPr>
-              <a:t>|                                                               |</a:t>
-            </a:r>
-          </a:p>
-          <a:p>
-            <a:r>
-              <a:rPr lang="en-CA" sz="900" dirty="0">
-                <a:latin typeface="Courier New" panose="02070309020205020404" pitchFamily="49" charset="0"/>
-                <a:cs typeface="Courier New" panose="02070309020205020404" pitchFamily="49" charset="0"/>
-              </a:rPr>
-              <a:t>+-+-+-+-+-+-+-+-+-+-+-+-+-+-+-+-+-+-+-+-+-+-+-+-+-+-+-+-+-+-+-+-+</a:t>
-            </a:r>
-          </a:p>
-          <a:p>
-            <a:r>
-              <a:rPr lang="en-CA" sz="900" dirty="0">
-                <a:latin typeface="Courier New" panose="02070309020205020404" pitchFamily="49" charset="0"/>
-                <a:cs typeface="Courier New" panose="02070309020205020404" pitchFamily="49" charset="0"/>
-              </a:rPr>
-              <a:t>|         Error Estimate        | Reserved      </a:t>
-            </a:r>
-            <a:r>
-              <a:rPr lang="en-CA" sz="900" dirty="0">
-                <a:solidFill>
-                  <a:schemeClr val="tx2"/>
-                </a:solidFill>
-                <a:latin typeface="Courier New" panose="02070309020205020404" pitchFamily="49" charset="0"/>
-                <a:cs typeface="Courier New" panose="02070309020205020404" pitchFamily="49" charset="0"/>
-              </a:rPr>
-              <a:t>|</a:t>
-            </a:r>
-            <a:r>
-              <a:rPr lang="en-CA" sz="900" dirty="0">
-                <a:solidFill>
-                  <a:srgbClr val="0070C0"/>
-                </a:solidFill>
-                <a:latin typeface="Courier New" panose="02070309020205020404" pitchFamily="49" charset="0"/>
-                <a:cs typeface="Courier New" panose="02070309020205020404" pitchFamily="49" charset="0"/>
-              </a:rPr>
-              <a:t>  </a:t>
-            </a:r>
-            <a:r>
-              <a:rPr lang="en-CA" sz="900" dirty="0">
-                <a:solidFill>
-                  <a:srgbClr val="7030A0"/>
-                </a:solidFill>
-                <a:latin typeface="Courier New" panose="02070309020205020404" pitchFamily="49" charset="0"/>
-                <a:cs typeface="Courier New" panose="02070309020205020404" pitchFamily="49" charset="0"/>
-              </a:rPr>
-              <a:t>Control Code </a:t>
-            </a:r>
-            <a:r>
-              <a:rPr lang="en-CA" sz="900" dirty="0">
-                <a:latin typeface="Courier New" panose="02070309020205020404" pitchFamily="49" charset="0"/>
-                <a:cs typeface="Courier New" panose="02070309020205020404" pitchFamily="49" charset="0"/>
-              </a:rPr>
-              <a:t>|</a:t>
-            </a:r>
-          </a:p>
-          <a:p>
-            <a:r>
-              <a:rPr lang="en-CA" sz="900" dirty="0">
-                <a:latin typeface="Courier New" panose="02070309020205020404" pitchFamily="49" charset="0"/>
-                <a:cs typeface="Courier New" panose="02070309020205020404" pitchFamily="49" charset="0"/>
-              </a:rPr>
-              <a:t>+-+-+-+-+-+-+-+-+-+-+-+-+-+-+-+-+-+-+-+-+-+-+-+-+-+-+-+-+-+-+-+-+</a:t>
-            </a:r>
-          </a:p>
-          <a:p>
-            <a:r>
-              <a:rPr lang="en-CA" sz="900" dirty="0">
-                <a:latin typeface="Courier New" panose="02070309020205020404" pitchFamily="49" charset="0"/>
-                <a:cs typeface="Courier New" panose="02070309020205020404" pitchFamily="49" charset="0"/>
-              </a:rPr>
-              <a:t>.                                                               .</a:t>
-            </a:r>
-          </a:p>
-          <a:p>
-            <a:r>
-              <a:rPr lang="en-CA" sz="900" dirty="0">
-                <a:latin typeface="Courier New" panose="02070309020205020404" pitchFamily="49" charset="0"/>
-                <a:cs typeface="Courier New" panose="02070309020205020404" pitchFamily="49" charset="0"/>
-              </a:rPr>
-              <a:t>.                                                               .</a:t>
-            </a:r>
-          </a:p>
-          <a:p>
-            <a:endParaRPr lang="en-CA" sz="900" dirty="0">
-              <a:latin typeface="Courier New" panose="02070309020205020404" pitchFamily="49" charset="0"/>
-              <a:cs typeface="Courier New" panose="02070309020205020404" pitchFamily="49" charset="0"/>
-            </a:endParaRPr>
-          </a:p>
-          <a:p>
-            <a:r>
-              <a:rPr lang="en-CA" sz="900" b="1" dirty="0">
-                <a:latin typeface="Courier New" panose="02070309020205020404" pitchFamily="49" charset="0"/>
-                <a:cs typeface="Courier New" panose="02070309020205020404" pitchFamily="49" charset="0"/>
-              </a:rPr>
-              <a:t>        Control Code in STAMP DM Probe Query and Response</a:t>
-            </a:r>
-            <a:endParaRPr lang="en-US" sz="900" b="1" dirty="0">
-              <a:latin typeface="Courier New" panose="02070309020205020404" pitchFamily="49" charset="0"/>
-              <a:cs typeface="Courier New" panose="02070309020205020404" pitchFamily="49" charset="0"/>
-            </a:endParaRPr>
-          </a:p>
-        </p:txBody>
-      </p:sp>
-      <p:sp>
-        <p:nvSpPr>
           <p:cNvPr id="3" name="Rectangle 2">
             <a:extLst>
               <a:ext uri="{FF2B5EF4-FFF2-40B4-BE49-F238E27FC236}">
@@ -5341,8 +5161,8 @@
         </p:nvSpPr>
         <p:spPr>
           <a:xfrm>
-            <a:off x="152400" y="713601"/>
-            <a:ext cx="3733800" cy="3970318"/>
+            <a:off x="1295400" y="895350"/>
+            <a:ext cx="5181600" cy="3539430"/>
           </a:xfrm>
           <a:prstGeom prst="rect">
             <a:avLst/>
@@ -5362,7 +5182,7 @@
                 <a:latin typeface="Calibri" panose="020F0502020204030204" pitchFamily="34" charset="0"/>
                 <a:cs typeface="Calibri" panose="020F0502020204030204" pitchFamily="34" charset="0"/>
               </a:rPr>
-              <a:t>For a Query:</a:t>
+              <a:t>For a Query: TX Control Code</a:t>
             </a:r>
           </a:p>
           <a:p>
@@ -5449,7 +5269,7 @@
                 <a:latin typeface="Calibri" panose="020F0502020204030204" pitchFamily="34" charset="0"/>
                 <a:cs typeface="Calibri" panose="020F0502020204030204" pitchFamily="34" charset="0"/>
               </a:rPr>
-              <a:t>For a Response -&gt; Need to return Errors</a:t>
+              <a:t>For a Response -&gt; RX Control Code - Used to return Errors</a:t>
             </a:r>
           </a:p>
           <a:p>
